--- a/trunk/Reporting Thesis/LV_FINAL/ReportThesis2/Presentation Thesis1.pptx
+++ b/trunk/Reporting Thesis/LV_FINAL/ReportThesis2/Presentation Thesis1.pptx
@@ -208,7 +208,7 @@
           <a:p>
             <a:fld id="{D9F5BE78-F04D-49FE-AAC3-BC185033EDEB}" type="datetimeFigureOut">
               <a:rPr lang="en-US" smtClean="0"/>
-              <a:t>12/11/2010</a:t>
+              <a:t>12/14/2010</a:t>
             </a:fld>
             <a:endParaRPr lang="en-US"/>
           </a:p>
@@ -659,7 +659,7 @@
           <a:p>
             <a:fld id="{3A5679C8-949D-4657-86BE-0B330BB70591}" type="datetime1">
               <a:rPr lang="en-US" smtClean="0"/>
-              <a:t>12/11/2010</a:t>
+              <a:t>12/14/2010</a:t>
             </a:fld>
             <a:endParaRPr lang="en-US"/>
           </a:p>
@@ -824,7 +824,7 @@
           <a:p>
             <a:fld id="{62655D70-C57C-44C3-937E-89E520BE6789}" type="datetime1">
               <a:rPr lang="en-US" smtClean="0"/>
-              <a:t>12/11/2010</a:t>
+              <a:t>12/14/2010</a:t>
             </a:fld>
             <a:endParaRPr lang="en-US"/>
           </a:p>
@@ -999,7 +999,7 @@
           <a:p>
             <a:fld id="{1E177B46-F546-4AA1-A130-860EA28E9936}" type="datetime1">
               <a:rPr lang="en-US" smtClean="0"/>
-              <a:t>12/11/2010</a:t>
+              <a:t>12/14/2010</a:t>
             </a:fld>
             <a:endParaRPr lang="en-US"/>
           </a:p>
@@ -1164,7 +1164,7 @@
           <a:p>
             <a:fld id="{E5C24BDB-84D1-4ED8-8B84-6B6DABF96D54}" type="datetime1">
               <a:rPr lang="en-US" smtClean="0"/>
-              <a:t>12/11/2010</a:t>
+              <a:t>12/14/2010</a:t>
             </a:fld>
             <a:endParaRPr lang="en-US"/>
           </a:p>
@@ -1405,7 +1405,7 @@
           <a:p>
             <a:fld id="{074E2D57-E3D5-4A1E-A86C-3522052E8FC3}" type="datetime1">
               <a:rPr lang="en-US" smtClean="0"/>
-              <a:t>12/11/2010</a:t>
+              <a:t>12/14/2010</a:t>
             </a:fld>
             <a:endParaRPr lang="en-US"/>
           </a:p>
@@ -1688,7 +1688,7 @@
           <a:p>
             <a:fld id="{F29F8DED-00F6-40AD-A315-E15FAA45C1C6}" type="datetime1">
               <a:rPr lang="en-US" smtClean="0"/>
-              <a:t>12/11/2010</a:t>
+              <a:t>12/14/2010</a:t>
             </a:fld>
             <a:endParaRPr lang="en-US"/>
           </a:p>
@@ -2105,7 +2105,7 @@
           <a:p>
             <a:fld id="{C95572DE-1B2D-4839-AE93-3D92446A0E59}" type="datetime1">
               <a:rPr lang="en-US" smtClean="0"/>
-              <a:t>12/11/2010</a:t>
+              <a:t>12/14/2010</a:t>
             </a:fld>
             <a:endParaRPr lang="en-US"/>
           </a:p>
@@ -2218,7 +2218,7 @@
           <a:p>
             <a:fld id="{71F41DA3-5051-4FC6-9B1D-661D519523F2}" type="datetime1">
               <a:rPr lang="en-US" smtClean="0"/>
-              <a:t>12/11/2010</a:t>
+              <a:t>12/14/2010</a:t>
             </a:fld>
             <a:endParaRPr lang="en-US"/>
           </a:p>
@@ -2308,7 +2308,7 @@
           <a:p>
             <a:fld id="{2CF082C9-A432-45EB-8439-EC9CD37CD1E9}" type="datetime1">
               <a:rPr lang="en-US" smtClean="0"/>
-              <a:t>12/11/2010</a:t>
+              <a:t>12/14/2010</a:t>
             </a:fld>
             <a:endParaRPr lang="en-US"/>
           </a:p>
@@ -2580,7 +2580,7 @@
           <a:p>
             <a:fld id="{0038BC28-6F2B-4FF5-B0B5-362575B9B05C}" type="datetime1">
               <a:rPr lang="en-US" smtClean="0"/>
-              <a:t>12/11/2010</a:t>
+              <a:t>12/14/2010</a:t>
             </a:fld>
             <a:endParaRPr lang="en-US"/>
           </a:p>
@@ -2832,7 +2832,7 @@
           <a:p>
             <a:fld id="{9BAF0870-963D-44EE-A1B6-D3357B909CB2}" type="datetime1">
               <a:rPr lang="en-US" smtClean="0"/>
-              <a:t>12/11/2010</a:t>
+              <a:t>12/14/2010</a:t>
             </a:fld>
             <a:endParaRPr lang="en-US"/>
           </a:p>
@@ -2892,9 +2892,18 @@
 <p:sldMaster xmlns:a="http://schemas.openxmlformats.org/drawingml/2006/main" xmlns:r="http://schemas.openxmlformats.org/officeDocument/2006/relationships" xmlns:p="http://schemas.openxmlformats.org/presentationml/2006/main">
   <p:cSld>
     <p:bg>
-      <p:bgRef idx="1001">
-        <a:schemeClr val="bg1"/>
-      </p:bgRef>
+      <p:bgPr>
+        <a:blipFill dpi="0" rotWithShape="1">
+          <a:blip r:embed="rId13">
+            <a:lum/>
+          </a:blip>
+          <a:srcRect/>
+          <a:stretch>
+            <a:fillRect l="-5000" r="-5000"/>
+          </a:stretch>
+        </a:blipFill>
+        <a:effectLst/>
+      </p:bgPr>
     </p:bg>
     <p:spTree>
       <p:nvGrpSpPr>
@@ -3040,7 +3049,7 @@
           <a:p>
             <a:fld id="{59C8A1C7-C1BF-442C-92E5-D8B26ACFFEF6}" type="datetime1">
               <a:rPr lang="en-US" smtClean="0"/>
-              <a:t>12/11/2010</a:t>
+              <a:t>12/14/2010</a:t>
             </a:fld>
             <a:endParaRPr lang="en-US"/>
           </a:p>
@@ -3411,46 +3420,6 @@
           <a:chExt cx="0" cy="0"/>
         </a:xfrm>
       </p:grpSpPr>
-      <p:pic>
-        <p:nvPicPr>
-          <p:cNvPr id="5" name="Picture 2" descr="E:\LAM VIEC\NTDV\Pes\Uom mam tre tho\Source Code\PESWeb\images\Studyinghome.png"/>
-          <p:cNvPicPr>
-            <a:picLocks noChangeAspect="1" noChangeArrowheads="1"/>
-          </p:cNvPicPr>
-          <p:nvPr/>
-        </p:nvPicPr>
-        <p:blipFill>
-          <a:blip r:embed="rId2">
-            <a:lum/>
-          </a:blip>
-          <a:srcRect/>
-          <a:stretch>
-            <a:fillRect/>
-          </a:stretch>
-        </p:blipFill>
-        <p:spPr bwMode="auto">
-          <a:xfrm>
-            <a:off x="0" y="0"/>
-            <a:ext cx="9144000" cy="1066800"/>
-          </a:xfrm>
-          <a:prstGeom prst="roundRect">
-            <a:avLst>
-              <a:gd name="adj" fmla="val 0"/>
-            </a:avLst>
-          </a:prstGeom>
-          <a:solidFill>
-            <a:srgbClr val="FFFFFF">
-              <a:shade val="85000"/>
-            </a:srgbClr>
-          </a:solidFill>
-          <a:ln>
-            <a:noFill/>
-          </a:ln>
-          <a:effectLst>
-            <a:reflection blurRad="12700" stA="38000" endPos="28000" dist="5000" dir="5400000" sy="-100000" algn="bl" rotWithShape="0"/>
-          </a:effectLst>
-        </p:spPr>
-      </p:pic>
       <p:sp>
         <p:nvSpPr>
           <p:cNvPr id="3" name="Subtitle 2"/>
@@ -3464,12 +3433,12 @@
         <p:spPr>
           <a:xfrm>
             <a:off x="3581400" y="1295400"/>
-            <a:ext cx="4800600" cy="5334000"/>
+            <a:ext cx="4800600" cy="5029200"/>
           </a:xfrm>
         </p:spPr>
         <p:txBody>
           <a:bodyPr>
-            <a:normAutofit fontScale="85000" lnSpcReduction="20000"/>
+            <a:normAutofit fontScale="85000" lnSpcReduction="10000"/>
           </a:bodyPr>
           <a:lstStyle/>
           <a:p>
@@ -4193,13 +4162,13 @@
           <a:p>
             <a:pPr lvl="4" algn="l">
               <a:lnSpc>
-                <a:spcPct val="160000"/>
+                <a:spcPct val="120000"/>
               </a:lnSpc>
               <a:buFont typeface="Wingdings" pitchFamily="2" charset="2"/>
               <a:buChar char="§"/>
             </a:pPr>
             <a:r>
-              <a:rPr lang="en-US" sz="1900" b="1" dirty="0" smtClean="0">
+              <a:rPr lang="en-US" sz="1600" b="1" dirty="0" smtClean="0">
                 <a:ln w="1905"/>
                 <a:gradFill>
                   <a:gsLst>
@@ -4238,7 +4207,7 @@
               <a:t> </a:t>
             </a:r>
             <a:r>
-              <a:rPr lang="en-US" sz="1900" b="1" dirty="0" err="1" smtClean="0">
+              <a:rPr lang="en-US" sz="1600" b="1" dirty="0" err="1" smtClean="0">
                 <a:ln w="1905"/>
                 <a:gradFill>
                   <a:gsLst>
@@ -4277,7 +4246,7 @@
               <a:t>Lê</a:t>
             </a:r>
             <a:r>
-              <a:rPr lang="en-US" sz="1900" b="1" dirty="0" smtClean="0">
+              <a:rPr lang="en-US" sz="1600" b="1" dirty="0" smtClean="0">
                 <a:ln w="1905"/>
                 <a:gradFill>
                   <a:gsLst>
@@ -4316,7 +4285,7 @@
               <a:t> </a:t>
             </a:r>
             <a:r>
-              <a:rPr lang="en-US" sz="1900" b="1" dirty="0" err="1" smtClean="0">
+              <a:rPr lang="en-US" sz="1600" b="1" dirty="0" err="1" smtClean="0">
                 <a:ln w="1905"/>
                 <a:gradFill>
                   <a:gsLst>
@@ -4355,7 +4324,7 @@
               <a:t>Ngọc</a:t>
             </a:r>
             <a:r>
-              <a:rPr lang="en-US" sz="1900" b="1" dirty="0" smtClean="0">
+              <a:rPr lang="en-US" sz="1600" b="1" dirty="0" smtClean="0">
                 <a:ln w="1905"/>
                 <a:gradFill>
                   <a:gsLst>
@@ -4394,7 +4363,7 @@
               <a:t> </a:t>
             </a:r>
             <a:r>
-              <a:rPr lang="en-US" sz="1900" b="1" dirty="0" err="1" smtClean="0">
+              <a:rPr lang="en-US" sz="1600" b="1" dirty="0" err="1" smtClean="0">
                 <a:ln w="1905"/>
                 <a:gradFill>
                   <a:gsLst>
@@ -4432,7 +4401,7 @@
               </a:rPr>
               <a:t>Luyện</a:t>
             </a:r>
-            <a:endParaRPr lang="en-US" sz="1900" b="1" dirty="0" smtClean="0">
+            <a:endParaRPr lang="en-US" sz="1600" b="1" dirty="0" smtClean="0">
               <a:ln w="1905"/>
               <a:gradFill>
                 <a:gsLst>
@@ -4472,13 +4441,13 @@
           <a:p>
             <a:pPr lvl="4" algn="l">
               <a:lnSpc>
-                <a:spcPct val="160000"/>
+                <a:spcPct val="120000"/>
               </a:lnSpc>
               <a:buFont typeface="Wingdings" pitchFamily="2" charset="2"/>
               <a:buChar char="§"/>
             </a:pPr>
             <a:r>
-              <a:rPr lang="en-US" sz="1900" b="1" dirty="0" smtClean="0">
+              <a:rPr lang="en-US" sz="1600" b="1" dirty="0" smtClean="0">
                 <a:ln w="1905"/>
                 <a:gradFill>
                   <a:gsLst>
@@ -4517,7 +4486,7 @@
               <a:t> </a:t>
             </a:r>
             <a:r>
-              <a:rPr lang="en-US" sz="1900" b="1" dirty="0" err="1" smtClean="0">
+              <a:rPr lang="en-US" sz="1600" b="1" dirty="0" err="1" smtClean="0">
                 <a:ln w="1905"/>
                 <a:gradFill>
                   <a:gsLst>
@@ -4556,7 +4525,7 @@
               <a:t>Nguyễn</a:t>
             </a:r>
             <a:r>
-              <a:rPr lang="en-US" sz="1900" b="1" dirty="0" smtClean="0">
+              <a:rPr lang="en-US" sz="1600" b="1" dirty="0" smtClean="0">
                 <a:ln w="1905"/>
                 <a:gradFill>
                   <a:gsLst>
@@ -4595,7 +4564,7 @@
               <a:t> </a:t>
             </a:r>
             <a:r>
-              <a:rPr lang="en-US" sz="1900" b="1" dirty="0" err="1">
+              <a:rPr lang="en-US" sz="1600" b="1" dirty="0" err="1">
                 <a:ln w="1905"/>
                 <a:gradFill>
                   <a:gsLst>
@@ -4634,7 +4603,7 @@
               <a:t>Tuân</a:t>
             </a:r>
             <a:r>
-              <a:rPr lang="en-US" sz="1900" b="1" dirty="0">
+              <a:rPr lang="en-US" sz="1600" b="1" dirty="0">
                 <a:ln w="1905"/>
                 <a:gradFill>
                   <a:gsLst>
@@ -4673,7 +4642,7 @@
               <a:t> </a:t>
             </a:r>
             <a:r>
-              <a:rPr lang="en-US" sz="1900" b="1" dirty="0" err="1">
+              <a:rPr lang="en-US" sz="1600" b="1" dirty="0" err="1">
                 <a:ln w="1905"/>
                 <a:gradFill>
                   <a:gsLst>
@@ -4711,7 +4680,7 @@
               </a:rPr>
               <a:t>Bưng</a:t>
             </a:r>
-            <a:endParaRPr lang="en-US" sz="1900" b="1" dirty="0">
+            <a:endParaRPr lang="en-US" sz="1600" b="1" dirty="0">
               <a:ln w="1905"/>
               <a:gradFill>
                 <a:gsLst>
@@ -4749,8 +4718,723 @@
             </a:endParaRPr>
           </a:p>
           <a:p>
-            <a:pPr algn="l"/>
-            <a:endParaRPr lang="en-US" sz="2400" b="1" dirty="0" smtClean="0">
+            <a:pPr>
+              <a:lnSpc>
+                <a:spcPct val="170000"/>
+              </a:lnSpc>
+            </a:pPr>
+            <a:r>
+              <a:rPr lang="en-US" sz="2400" b="1" dirty="0" err="1" smtClean="0">
+                <a:ln w="1905"/>
+                <a:gradFill>
+                  <a:gsLst>
+                    <a:gs pos="0">
+                      <a:schemeClr val="accent6">
+                        <a:shade val="20000"/>
+                        <a:satMod val="200000"/>
+                      </a:schemeClr>
+                    </a:gs>
+                    <a:gs pos="78000">
+                      <a:schemeClr val="accent6">
+                        <a:tint val="90000"/>
+                        <a:shade val="89000"/>
+                        <a:satMod val="220000"/>
+                      </a:schemeClr>
+                    </a:gs>
+                    <a:gs pos="100000">
+                      <a:schemeClr val="accent6">
+                        <a:tint val="12000"/>
+                        <a:satMod val="255000"/>
+                      </a:schemeClr>
+                    </a:gs>
+                  </a:gsLst>
+                  <a:lin ang="5400000"/>
+                </a:gradFill>
+                <a:effectLst>
+                  <a:innerShdw blurRad="69850" dist="43180" dir="5400000">
+                    <a:srgbClr val="000000">
+                      <a:alpha val="65000"/>
+                    </a:srgbClr>
+                  </a:innerShdw>
+                </a:effectLst>
+                <a:latin typeface="Times New Roman" pitchFamily="18" charset="0"/>
+                <a:cs typeface="Times New Roman" pitchFamily="18" charset="0"/>
+              </a:rPr>
+              <a:t>Giảng</a:t>
+            </a:r>
+            <a:r>
+              <a:rPr lang="en-US" sz="2400" b="1" dirty="0" smtClean="0">
+                <a:ln w="1905"/>
+                <a:gradFill>
+                  <a:gsLst>
+                    <a:gs pos="0">
+                      <a:schemeClr val="accent6">
+                        <a:shade val="20000"/>
+                        <a:satMod val="200000"/>
+                      </a:schemeClr>
+                    </a:gs>
+                    <a:gs pos="78000">
+                      <a:schemeClr val="accent6">
+                        <a:tint val="90000"/>
+                        <a:shade val="89000"/>
+                        <a:satMod val="220000"/>
+                      </a:schemeClr>
+                    </a:gs>
+                    <a:gs pos="100000">
+                      <a:schemeClr val="accent6">
+                        <a:tint val="12000"/>
+                        <a:satMod val="255000"/>
+                      </a:schemeClr>
+                    </a:gs>
+                  </a:gsLst>
+                  <a:lin ang="5400000"/>
+                </a:gradFill>
+                <a:effectLst>
+                  <a:innerShdw blurRad="69850" dist="43180" dir="5400000">
+                    <a:srgbClr val="000000">
+                      <a:alpha val="65000"/>
+                    </a:srgbClr>
+                  </a:innerShdw>
+                </a:effectLst>
+                <a:latin typeface="Times New Roman" pitchFamily="18" charset="0"/>
+                <a:cs typeface="Times New Roman" pitchFamily="18" charset="0"/>
+              </a:rPr>
+              <a:t> </a:t>
+            </a:r>
+            <a:r>
+              <a:rPr lang="en-US" sz="2400" b="1" dirty="0" err="1" smtClean="0">
+                <a:ln w="1905"/>
+                <a:gradFill>
+                  <a:gsLst>
+                    <a:gs pos="0">
+                      <a:schemeClr val="accent6">
+                        <a:shade val="20000"/>
+                        <a:satMod val="200000"/>
+                      </a:schemeClr>
+                    </a:gs>
+                    <a:gs pos="78000">
+                      <a:schemeClr val="accent6">
+                        <a:tint val="90000"/>
+                        <a:shade val="89000"/>
+                        <a:satMod val="220000"/>
+                      </a:schemeClr>
+                    </a:gs>
+                    <a:gs pos="100000">
+                      <a:schemeClr val="accent6">
+                        <a:tint val="12000"/>
+                        <a:satMod val="255000"/>
+                      </a:schemeClr>
+                    </a:gs>
+                  </a:gsLst>
+                  <a:lin ang="5400000"/>
+                </a:gradFill>
+                <a:effectLst>
+                  <a:innerShdw blurRad="69850" dist="43180" dir="5400000">
+                    <a:srgbClr val="000000">
+                      <a:alpha val="65000"/>
+                    </a:srgbClr>
+                  </a:innerShdw>
+                </a:effectLst>
+                <a:latin typeface="Times New Roman" pitchFamily="18" charset="0"/>
+                <a:cs typeface="Times New Roman" pitchFamily="18" charset="0"/>
+              </a:rPr>
+              <a:t>viên</a:t>
+            </a:r>
+            <a:r>
+              <a:rPr lang="en-US" sz="2400" b="1" dirty="0" smtClean="0">
+                <a:ln w="1905"/>
+                <a:gradFill>
+                  <a:gsLst>
+                    <a:gs pos="0">
+                      <a:schemeClr val="accent6">
+                        <a:shade val="20000"/>
+                        <a:satMod val="200000"/>
+                      </a:schemeClr>
+                    </a:gs>
+                    <a:gs pos="78000">
+                      <a:schemeClr val="accent6">
+                        <a:tint val="90000"/>
+                        <a:shade val="89000"/>
+                        <a:satMod val="220000"/>
+                      </a:schemeClr>
+                    </a:gs>
+                    <a:gs pos="100000">
+                      <a:schemeClr val="accent6">
+                        <a:tint val="12000"/>
+                        <a:satMod val="255000"/>
+                      </a:schemeClr>
+                    </a:gs>
+                  </a:gsLst>
+                  <a:lin ang="5400000"/>
+                </a:gradFill>
+                <a:effectLst>
+                  <a:innerShdw blurRad="69850" dist="43180" dir="5400000">
+                    <a:srgbClr val="000000">
+                      <a:alpha val="65000"/>
+                    </a:srgbClr>
+                  </a:innerShdw>
+                </a:effectLst>
+                <a:latin typeface="Times New Roman" pitchFamily="18" charset="0"/>
+                <a:cs typeface="Times New Roman" pitchFamily="18" charset="0"/>
+              </a:rPr>
+              <a:t> </a:t>
+            </a:r>
+            <a:r>
+              <a:rPr lang="en-US" sz="2400" b="1" dirty="0" err="1" smtClean="0">
+                <a:ln w="1905"/>
+                <a:gradFill>
+                  <a:gsLst>
+                    <a:gs pos="0">
+                      <a:schemeClr val="accent6">
+                        <a:shade val="20000"/>
+                        <a:satMod val="200000"/>
+                      </a:schemeClr>
+                    </a:gs>
+                    <a:gs pos="78000">
+                      <a:schemeClr val="accent6">
+                        <a:tint val="90000"/>
+                        <a:shade val="89000"/>
+                        <a:satMod val="220000"/>
+                      </a:schemeClr>
+                    </a:gs>
+                    <a:gs pos="100000">
+                      <a:schemeClr val="accent6">
+                        <a:tint val="12000"/>
+                        <a:satMod val="255000"/>
+                      </a:schemeClr>
+                    </a:gs>
+                  </a:gsLst>
+                  <a:lin ang="5400000"/>
+                </a:gradFill>
+                <a:effectLst>
+                  <a:innerShdw blurRad="69850" dist="43180" dir="5400000">
+                    <a:srgbClr val="000000">
+                      <a:alpha val="65000"/>
+                    </a:srgbClr>
+                  </a:innerShdw>
+                </a:effectLst>
+                <a:latin typeface="Times New Roman" pitchFamily="18" charset="0"/>
+                <a:cs typeface="Times New Roman" pitchFamily="18" charset="0"/>
+              </a:rPr>
+              <a:t>hướng</a:t>
+            </a:r>
+            <a:r>
+              <a:rPr lang="en-US" sz="2400" b="1" dirty="0" smtClean="0">
+                <a:ln w="1905"/>
+                <a:gradFill>
+                  <a:gsLst>
+                    <a:gs pos="0">
+                      <a:schemeClr val="accent6">
+                        <a:shade val="20000"/>
+                        <a:satMod val="200000"/>
+                      </a:schemeClr>
+                    </a:gs>
+                    <a:gs pos="78000">
+                      <a:schemeClr val="accent6">
+                        <a:tint val="90000"/>
+                        <a:shade val="89000"/>
+                        <a:satMod val="220000"/>
+                      </a:schemeClr>
+                    </a:gs>
+                    <a:gs pos="100000">
+                      <a:schemeClr val="accent6">
+                        <a:tint val="12000"/>
+                        <a:satMod val="255000"/>
+                      </a:schemeClr>
+                    </a:gs>
+                  </a:gsLst>
+                  <a:lin ang="5400000"/>
+                </a:gradFill>
+                <a:effectLst>
+                  <a:innerShdw blurRad="69850" dist="43180" dir="5400000">
+                    <a:srgbClr val="000000">
+                      <a:alpha val="65000"/>
+                    </a:srgbClr>
+                  </a:innerShdw>
+                </a:effectLst>
+                <a:latin typeface="Times New Roman" pitchFamily="18" charset="0"/>
+                <a:cs typeface="Times New Roman" pitchFamily="18" charset="0"/>
+              </a:rPr>
+              <a:t> </a:t>
+            </a:r>
+            <a:r>
+              <a:rPr lang="en-US" sz="2400" b="1" dirty="0" err="1" smtClean="0">
+                <a:ln w="1905"/>
+                <a:gradFill>
+                  <a:gsLst>
+                    <a:gs pos="0">
+                      <a:schemeClr val="accent6">
+                        <a:shade val="20000"/>
+                        <a:satMod val="200000"/>
+                      </a:schemeClr>
+                    </a:gs>
+                    <a:gs pos="78000">
+                      <a:schemeClr val="accent6">
+                        <a:tint val="90000"/>
+                        <a:shade val="89000"/>
+                        <a:satMod val="220000"/>
+                      </a:schemeClr>
+                    </a:gs>
+                    <a:gs pos="100000">
+                      <a:schemeClr val="accent6">
+                        <a:tint val="12000"/>
+                        <a:satMod val="255000"/>
+                      </a:schemeClr>
+                    </a:gs>
+                  </a:gsLst>
+                  <a:lin ang="5400000"/>
+                </a:gradFill>
+                <a:effectLst>
+                  <a:innerShdw blurRad="69850" dist="43180" dir="5400000">
+                    <a:srgbClr val="000000">
+                      <a:alpha val="65000"/>
+                    </a:srgbClr>
+                  </a:innerShdw>
+                </a:effectLst>
+                <a:latin typeface="Times New Roman" pitchFamily="18" charset="0"/>
+                <a:cs typeface="Times New Roman" pitchFamily="18" charset="0"/>
+              </a:rPr>
+              <a:t>dẫn</a:t>
+            </a:r>
+            <a:r>
+              <a:rPr lang="en-US" sz="2400" b="1" dirty="0" smtClean="0">
+                <a:ln w="1905"/>
+                <a:gradFill>
+                  <a:gsLst>
+                    <a:gs pos="0">
+                      <a:schemeClr val="accent6">
+                        <a:shade val="20000"/>
+                        <a:satMod val="200000"/>
+                      </a:schemeClr>
+                    </a:gs>
+                    <a:gs pos="78000">
+                      <a:schemeClr val="accent6">
+                        <a:tint val="90000"/>
+                        <a:shade val="89000"/>
+                        <a:satMod val="220000"/>
+                      </a:schemeClr>
+                    </a:gs>
+                    <a:gs pos="100000">
+                      <a:schemeClr val="accent6">
+                        <a:tint val="12000"/>
+                        <a:satMod val="255000"/>
+                      </a:schemeClr>
+                    </a:gs>
+                  </a:gsLst>
+                  <a:lin ang="5400000"/>
+                </a:gradFill>
+                <a:effectLst>
+                  <a:innerShdw blurRad="69850" dist="43180" dir="5400000">
+                    <a:srgbClr val="000000">
+                      <a:alpha val="65000"/>
+                    </a:srgbClr>
+                  </a:innerShdw>
+                </a:effectLst>
+                <a:latin typeface="Times New Roman" pitchFamily="18" charset="0"/>
+                <a:cs typeface="Times New Roman" pitchFamily="18" charset="0"/>
+              </a:rPr>
+              <a:t>:</a:t>
+            </a:r>
+          </a:p>
+          <a:p>
+            <a:pPr lvl="4" algn="just">
+              <a:lnSpc>
+                <a:spcPct val="110000"/>
+              </a:lnSpc>
+              <a:buFont typeface="Wingdings" pitchFamily="2" charset="2"/>
+              <a:buChar char="§"/>
+            </a:pPr>
+            <a:r>
+              <a:rPr lang="en-US" sz="1600" b="1" dirty="0" smtClean="0">
+                <a:ln w="1905"/>
+                <a:gradFill>
+                  <a:gsLst>
+                    <a:gs pos="0">
+                      <a:schemeClr val="accent6">
+                        <a:shade val="20000"/>
+                        <a:satMod val="200000"/>
+                      </a:schemeClr>
+                    </a:gs>
+                    <a:gs pos="78000">
+                      <a:schemeClr val="accent6">
+                        <a:tint val="90000"/>
+                        <a:shade val="89000"/>
+                        <a:satMod val="220000"/>
+                      </a:schemeClr>
+                    </a:gs>
+                    <a:gs pos="100000">
+                      <a:schemeClr val="accent6">
+                        <a:tint val="12000"/>
+                        <a:satMod val="255000"/>
+                      </a:schemeClr>
+                    </a:gs>
+                  </a:gsLst>
+                  <a:lin ang="5400000"/>
+                </a:gradFill>
+                <a:effectLst>
+                  <a:innerShdw blurRad="69850" dist="43180" dir="5400000">
+                    <a:srgbClr val="000000">
+                      <a:alpha val="65000"/>
+                    </a:srgbClr>
+                  </a:innerShdw>
+                </a:effectLst>
+                <a:latin typeface="Times New Roman" pitchFamily="18" charset="0"/>
+                <a:cs typeface="Times New Roman" pitchFamily="18" charset="0"/>
+              </a:rPr>
+              <a:t> </a:t>
+            </a:r>
+            <a:r>
+              <a:rPr lang="en-US" sz="1600" b="1" dirty="0" err="1" smtClean="0">
+                <a:ln w="1905"/>
+                <a:gradFill>
+                  <a:gsLst>
+                    <a:gs pos="0">
+                      <a:schemeClr val="accent6">
+                        <a:shade val="20000"/>
+                        <a:satMod val="200000"/>
+                      </a:schemeClr>
+                    </a:gs>
+                    <a:gs pos="78000">
+                      <a:schemeClr val="accent6">
+                        <a:tint val="90000"/>
+                        <a:shade val="89000"/>
+                        <a:satMod val="220000"/>
+                      </a:schemeClr>
+                    </a:gs>
+                    <a:gs pos="100000">
+                      <a:schemeClr val="accent6">
+                        <a:tint val="12000"/>
+                        <a:satMod val="255000"/>
+                      </a:schemeClr>
+                    </a:gs>
+                  </a:gsLst>
+                  <a:lin ang="5400000"/>
+                </a:gradFill>
+                <a:effectLst>
+                  <a:innerShdw blurRad="69850" dist="43180" dir="5400000">
+                    <a:srgbClr val="000000">
+                      <a:alpha val="65000"/>
+                    </a:srgbClr>
+                  </a:innerShdw>
+                </a:effectLst>
+                <a:latin typeface="Times New Roman" pitchFamily="18" charset="0"/>
+                <a:cs typeface="Times New Roman" pitchFamily="18" charset="0"/>
+              </a:rPr>
+              <a:t>Th.S</a:t>
+            </a:r>
+            <a:r>
+              <a:rPr lang="en-US" sz="1600" b="1" dirty="0" smtClean="0">
+                <a:ln w="1905"/>
+                <a:gradFill>
+                  <a:gsLst>
+                    <a:gs pos="0">
+                      <a:schemeClr val="accent6">
+                        <a:shade val="20000"/>
+                        <a:satMod val="200000"/>
+                      </a:schemeClr>
+                    </a:gs>
+                    <a:gs pos="78000">
+                      <a:schemeClr val="accent6">
+                        <a:tint val="90000"/>
+                        <a:shade val="89000"/>
+                        <a:satMod val="220000"/>
+                      </a:schemeClr>
+                    </a:gs>
+                    <a:gs pos="100000">
+                      <a:schemeClr val="accent6">
+                        <a:tint val="12000"/>
+                        <a:satMod val="255000"/>
+                      </a:schemeClr>
+                    </a:gs>
+                  </a:gsLst>
+                  <a:lin ang="5400000"/>
+                </a:gradFill>
+                <a:effectLst>
+                  <a:innerShdw blurRad="69850" dist="43180" dir="5400000">
+                    <a:srgbClr val="000000">
+                      <a:alpha val="65000"/>
+                    </a:srgbClr>
+                  </a:innerShdw>
+                </a:effectLst>
+                <a:latin typeface="Times New Roman" pitchFamily="18" charset="0"/>
+                <a:cs typeface="Times New Roman" pitchFamily="18" charset="0"/>
+              </a:rPr>
+              <a:t>  </a:t>
+            </a:r>
+            <a:r>
+              <a:rPr lang="en-US" sz="1600" b="1" dirty="0" err="1" smtClean="0">
+                <a:ln w="1905"/>
+                <a:gradFill>
+                  <a:gsLst>
+                    <a:gs pos="0">
+                      <a:schemeClr val="accent6">
+                        <a:shade val="20000"/>
+                        <a:satMod val="200000"/>
+                      </a:schemeClr>
+                    </a:gs>
+                    <a:gs pos="78000">
+                      <a:schemeClr val="accent6">
+                        <a:tint val="90000"/>
+                        <a:shade val="89000"/>
+                        <a:satMod val="220000"/>
+                      </a:schemeClr>
+                    </a:gs>
+                    <a:gs pos="100000">
+                      <a:schemeClr val="accent6">
+                        <a:tint val="12000"/>
+                        <a:satMod val="255000"/>
+                      </a:schemeClr>
+                    </a:gs>
+                  </a:gsLst>
+                  <a:lin ang="5400000"/>
+                </a:gradFill>
+                <a:effectLst>
+                  <a:innerShdw blurRad="69850" dist="43180" dir="5400000">
+                    <a:srgbClr val="000000">
+                      <a:alpha val="65000"/>
+                    </a:srgbClr>
+                  </a:innerShdw>
+                </a:effectLst>
+                <a:latin typeface="Times New Roman" pitchFamily="18" charset="0"/>
+                <a:cs typeface="Times New Roman" pitchFamily="18" charset="0"/>
+              </a:rPr>
+              <a:t>Nguyễn</a:t>
+            </a:r>
+            <a:r>
+              <a:rPr lang="en-US" sz="1600" b="1" dirty="0" smtClean="0">
+                <a:ln w="1905"/>
+                <a:gradFill>
+                  <a:gsLst>
+                    <a:gs pos="0">
+                      <a:schemeClr val="accent6">
+                        <a:shade val="20000"/>
+                        <a:satMod val="200000"/>
+                      </a:schemeClr>
+                    </a:gs>
+                    <a:gs pos="78000">
+                      <a:schemeClr val="accent6">
+                        <a:tint val="90000"/>
+                        <a:shade val="89000"/>
+                        <a:satMod val="220000"/>
+                      </a:schemeClr>
+                    </a:gs>
+                    <a:gs pos="100000">
+                      <a:schemeClr val="accent6">
+                        <a:tint val="12000"/>
+                        <a:satMod val="255000"/>
+                      </a:schemeClr>
+                    </a:gs>
+                  </a:gsLst>
+                  <a:lin ang="5400000"/>
+                </a:gradFill>
+                <a:effectLst>
+                  <a:innerShdw blurRad="69850" dist="43180" dir="5400000">
+                    <a:srgbClr val="000000">
+                      <a:alpha val="65000"/>
+                    </a:srgbClr>
+                  </a:innerShdw>
+                </a:effectLst>
+                <a:latin typeface="Times New Roman" pitchFamily="18" charset="0"/>
+                <a:cs typeface="Times New Roman" pitchFamily="18" charset="0"/>
+              </a:rPr>
+              <a:t> </a:t>
+            </a:r>
+            <a:r>
+              <a:rPr lang="en-US" sz="1600" b="1" dirty="0" err="1" smtClean="0">
+                <a:ln w="1905"/>
+                <a:gradFill>
+                  <a:gsLst>
+                    <a:gs pos="0">
+                      <a:schemeClr val="accent6">
+                        <a:shade val="20000"/>
+                        <a:satMod val="200000"/>
+                      </a:schemeClr>
+                    </a:gs>
+                    <a:gs pos="78000">
+                      <a:schemeClr val="accent6">
+                        <a:tint val="90000"/>
+                        <a:shade val="89000"/>
+                        <a:satMod val="220000"/>
+                      </a:schemeClr>
+                    </a:gs>
+                    <a:gs pos="100000">
+                      <a:schemeClr val="accent6">
+                        <a:tint val="12000"/>
+                        <a:satMod val="255000"/>
+                      </a:schemeClr>
+                    </a:gs>
+                  </a:gsLst>
+                  <a:lin ang="5400000"/>
+                </a:gradFill>
+                <a:effectLst>
+                  <a:innerShdw blurRad="69850" dist="43180" dir="5400000">
+                    <a:srgbClr val="000000">
+                      <a:alpha val="65000"/>
+                    </a:srgbClr>
+                  </a:innerShdw>
+                </a:effectLst>
+                <a:latin typeface="Times New Roman" pitchFamily="18" charset="0"/>
+                <a:cs typeface="Times New Roman" pitchFamily="18" charset="0"/>
+              </a:rPr>
+              <a:t>Thị</a:t>
+            </a:r>
+            <a:r>
+              <a:rPr lang="en-US" sz="1600" b="1" dirty="0" smtClean="0">
+                <a:ln w="1905"/>
+                <a:gradFill>
+                  <a:gsLst>
+                    <a:gs pos="0">
+                      <a:schemeClr val="accent6">
+                        <a:shade val="20000"/>
+                        <a:satMod val="200000"/>
+                      </a:schemeClr>
+                    </a:gs>
+                    <a:gs pos="78000">
+                      <a:schemeClr val="accent6">
+                        <a:tint val="90000"/>
+                        <a:shade val="89000"/>
+                        <a:satMod val="220000"/>
+                      </a:schemeClr>
+                    </a:gs>
+                    <a:gs pos="100000">
+                      <a:schemeClr val="accent6">
+                        <a:tint val="12000"/>
+                        <a:satMod val="255000"/>
+                      </a:schemeClr>
+                    </a:gs>
+                  </a:gsLst>
+                  <a:lin ang="5400000"/>
+                </a:gradFill>
+                <a:effectLst>
+                  <a:innerShdw blurRad="69850" dist="43180" dir="5400000">
+                    <a:srgbClr val="000000">
+                      <a:alpha val="65000"/>
+                    </a:srgbClr>
+                  </a:innerShdw>
+                </a:effectLst>
+                <a:latin typeface="Times New Roman" pitchFamily="18" charset="0"/>
+                <a:cs typeface="Times New Roman" pitchFamily="18" charset="0"/>
+              </a:rPr>
+              <a:t> </a:t>
+            </a:r>
+            <a:r>
+              <a:rPr lang="en-US" sz="1600" b="1" dirty="0" err="1" smtClean="0">
+                <a:ln w="1905"/>
+                <a:gradFill>
+                  <a:gsLst>
+                    <a:gs pos="0">
+                      <a:schemeClr val="accent6">
+                        <a:shade val="20000"/>
+                        <a:satMod val="200000"/>
+                      </a:schemeClr>
+                    </a:gs>
+                    <a:gs pos="78000">
+                      <a:schemeClr val="accent6">
+                        <a:tint val="90000"/>
+                        <a:shade val="89000"/>
+                        <a:satMod val="220000"/>
+                      </a:schemeClr>
+                    </a:gs>
+                    <a:gs pos="100000">
+                      <a:schemeClr val="accent6">
+                        <a:tint val="12000"/>
+                        <a:satMod val="255000"/>
+                      </a:schemeClr>
+                    </a:gs>
+                  </a:gsLst>
+                  <a:lin ang="5400000"/>
+                </a:gradFill>
+                <a:effectLst>
+                  <a:innerShdw blurRad="69850" dist="43180" dir="5400000">
+                    <a:srgbClr val="000000">
+                      <a:alpha val="65000"/>
+                    </a:srgbClr>
+                  </a:innerShdw>
+                </a:effectLst>
+                <a:latin typeface="Times New Roman" pitchFamily="18" charset="0"/>
+                <a:cs typeface="Times New Roman" pitchFamily="18" charset="0"/>
+              </a:rPr>
+              <a:t>Thanh</a:t>
+            </a:r>
+            <a:r>
+              <a:rPr lang="en-US" sz="1600" b="1" dirty="0" smtClean="0">
+                <a:ln w="1905"/>
+                <a:gradFill>
+                  <a:gsLst>
+                    <a:gs pos="0">
+                      <a:schemeClr val="accent6">
+                        <a:shade val="20000"/>
+                        <a:satMod val="200000"/>
+                      </a:schemeClr>
+                    </a:gs>
+                    <a:gs pos="78000">
+                      <a:schemeClr val="accent6">
+                        <a:tint val="90000"/>
+                        <a:shade val="89000"/>
+                        <a:satMod val="220000"/>
+                      </a:schemeClr>
+                    </a:gs>
+                    <a:gs pos="100000">
+                      <a:schemeClr val="accent6">
+                        <a:tint val="12000"/>
+                        <a:satMod val="255000"/>
+                      </a:schemeClr>
+                    </a:gs>
+                  </a:gsLst>
+                  <a:lin ang="5400000"/>
+                </a:gradFill>
+                <a:effectLst>
+                  <a:innerShdw blurRad="69850" dist="43180" dir="5400000">
+                    <a:srgbClr val="000000">
+                      <a:alpha val="65000"/>
+                    </a:srgbClr>
+                  </a:innerShdw>
+                </a:effectLst>
+                <a:latin typeface="Times New Roman" pitchFamily="18" charset="0"/>
+                <a:cs typeface="Times New Roman" pitchFamily="18" charset="0"/>
+              </a:rPr>
+              <a:t> </a:t>
+            </a:r>
+            <a:r>
+              <a:rPr lang="en-US" sz="1600" b="1" dirty="0" err="1" smtClean="0">
+                <a:ln w="1905"/>
+                <a:gradFill>
+                  <a:gsLst>
+                    <a:gs pos="0">
+                      <a:schemeClr val="accent6">
+                        <a:shade val="20000"/>
+                        <a:satMod val="200000"/>
+                      </a:schemeClr>
+                    </a:gs>
+                    <a:gs pos="78000">
+                      <a:schemeClr val="accent6">
+                        <a:tint val="90000"/>
+                        <a:shade val="89000"/>
+                        <a:satMod val="220000"/>
+                      </a:schemeClr>
+                    </a:gs>
+                    <a:gs pos="100000">
+                      <a:schemeClr val="accent6">
+                        <a:tint val="12000"/>
+                        <a:satMod val="255000"/>
+                      </a:schemeClr>
+                    </a:gs>
+                  </a:gsLst>
+                  <a:lin ang="5400000"/>
+                </a:gradFill>
+                <a:effectLst>
+                  <a:innerShdw blurRad="69850" dist="43180" dir="5400000">
+                    <a:srgbClr val="000000">
+                      <a:alpha val="65000"/>
+                    </a:srgbClr>
+                  </a:innerShdw>
+                </a:effectLst>
+                <a:latin typeface="Times New Roman" pitchFamily="18" charset="0"/>
+                <a:cs typeface="Times New Roman" pitchFamily="18" charset="0"/>
+              </a:rPr>
+              <a:t>Bình</a:t>
+            </a:r>
+            <a:endParaRPr lang="en-US" sz="1600" b="1" dirty="0">
               <a:ln w="1905"/>
               <a:gradFill>
                 <a:gsLst>
@@ -4788,13 +5472,15 @@
             </a:endParaRPr>
           </a:p>
           <a:p>
-            <a:pPr>
+            <a:pPr lvl="4" algn="just">
               <a:lnSpc>
-                <a:spcPct val="170000"/>
+                <a:spcPct val="110000"/>
               </a:lnSpc>
+              <a:buFont typeface="Wingdings" pitchFamily="2" charset="2"/>
+              <a:buChar char="§"/>
             </a:pPr>
             <a:r>
-              <a:rPr lang="en-US" sz="2400" b="1" dirty="0" err="1" smtClean="0">
+              <a:rPr lang="en-US" sz="1600" b="1" dirty="0" smtClean="0">
                 <a:ln w="1905"/>
                 <a:gradFill>
                   <a:gsLst>
@@ -4830,10 +5516,10 @@
                 <a:latin typeface="Times New Roman" pitchFamily="18" charset="0"/>
                 <a:cs typeface="Times New Roman" pitchFamily="18" charset="0"/>
               </a:rPr>
-              <a:t>Giảng</a:t>
-            </a:r>
-            <a:r>
-              <a:rPr lang="en-US" sz="2400" b="1" dirty="0" smtClean="0">
+              <a:t> KS </a:t>
+            </a:r>
+            <a:r>
+              <a:rPr lang="en-US" sz="1600" b="1" dirty="0" err="1">
                 <a:ln w="1905"/>
                 <a:gradFill>
                   <a:gsLst>
@@ -4869,10 +5555,10 @@
                 <a:latin typeface="Times New Roman" pitchFamily="18" charset="0"/>
                 <a:cs typeface="Times New Roman" pitchFamily="18" charset="0"/>
               </a:rPr>
-              <a:t> </a:t>
-            </a:r>
-            <a:r>
-              <a:rPr lang="en-US" sz="2400" b="1" dirty="0" err="1" smtClean="0">
+              <a:t>Phạm</a:t>
+            </a:r>
+            <a:r>
+              <a:rPr lang="en-US" sz="1600" b="1" dirty="0">
                 <a:ln w="1905"/>
                 <a:gradFill>
                   <a:gsLst>
@@ -4908,10 +5594,10 @@
                 <a:latin typeface="Times New Roman" pitchFamily="18" charset="0"/>
                 <a:cs typeface="Times New Roman" pitchFamily="18" charset="0"/>
               </a:rPr>
-              <a:t>viên</a:t>
-            </a:r>
-            <a:r>
-              <a:rPr lang="en-US" sz="2400" b="1" dirty="0" smtClean="0">
+              <a:t> </a:t>
+            </a:r>
+            <a:r>
+              <a:rPr lang="en-US" sz="1600" b="1" dirty="0" err="1">
                 <a:ln w="1905"/>
                 <a:gradFill>
                   <a:gsLst>
@@ -4947,10 +5633,10 @@
                 <a:latin typeface="Times New Roman" pitchFamily="18" charset="0"/>
                 <a:cs typeface="Times New Roman" pitchFamily="18" charset="0"/>
               </a:rPr>
-              <a:t> </a:t>
-            </a:r>
-            <a:r>
-              <a:rPr lang="en-US" sz="2400" b="1" dirty="0" err="1" smtClean="0">
+              <a:t>Tuấn</a:t>
+            </a:r>
+            <a:r>
+              <a:rPr lang="en-US" sz="1600" b="1" dirty="0">
                 <a:ln w="1905"/>
                 <a:gradFill>
                   <a:gsLst>
@@ -4986,10 +5672,10 @@
                 <a:latin typeface="Times New Roman" pitchFamily="18" charset="0"/>
                 <a:cs typeface="Times New Roman" pitchFamily="18" charset="0"/>
               </a:rPr>
-              <a:t>hướng</a:t>
-            </a:r>
-            <a:r>
-              <a:rPr lang="en-US" sz="2400" b="1" dirty="0" smtClean="0">
+              <a:t> </a:t>
+            </a:r>
+            <a:r>
+              <a:rPr lang="en-US" sz="1600" b="1" dirty="0" err="1">
                 <a:ln w="1905"/>
                 <a:gradFill>
                   <a:gsLst>
@@ -5025,486 +5711,9 @@
                 <a:latin typeface="Times New Roman" pitchFamily="18" charset="0"/>
                 <a:cs typeface="Times New Roman" pitchFamily="18" charset="0"/>
               </a:rPr>
-              <a:t> </a:t>
-            </a:r>
-            <a:r>
-              <a:rPr lang="en-US" sz="2400" b="1" dirty="0" err="1" smtClean="0">
-                <a:ln w="1905"/>
-                <a:gradFill>
-                  <a:gsLst>
-                    <a:gs pos="0">
-                      <a:schemeClr val="accent6">
-                        <a:shade val="20000"/>
-                        <a:satMod val="200000"/>
-                      </a:schemeClr>
-                    </a:gs>
-                    <a:gs pos="78000">
-                      <a:schemeClr val="accent6">
-                        <a:tint val="90000"/>
-                        <a:shade val="89000"/>
-                        <a:satMod val="220000"/>
-                      </a:schemeClr>
-                    </a:gs>
-                    <a:gs pos="100000">
-                      <a:schemeClr val="accent6">
-                        <a:tint val="12000"/>
-                        <a:satMod val="255000"/>
-                      </a:schemeClr>
-                    </a:gs>
-                  </a:gsLst>
-                  <a:lin ang="5400000"/>
-                </a:gradFill>
-                <a:effectLst>
-                  <a:innerShdw blurRad="69850" dist="43180" dir="5400000">
-                    <a:srgbClr val="000000">
-                      <a:alpha val="65000"/>
-                    </a:srgbClr>
-                  </a:innerShdw>
-                </a:effectLst>
-                <a:latin typeface="Times New Roman" pitchFamily="18" charset="0"/>
-                <a:cs typeface="Times New Roman" pitchFamily="18" charset="0"/>
-              </a:rPr>
-              <a:t>dẫn</a:t>
-            </a:r>
-            <a:r>
-              <a:rPr lang="en-US" sz="2400" b="1" dirty="0" smtClean="0">
-                <a:ln w="1905"/>
-                <a:gradFill>
-                  <a:gsLst>
-                    <a:gs pos="0">
-                      <a:schemeClr val="accent6">
-                        <a:shade val="20000"/>
-                        <a:satMod val="200000"/>
-                      </a:schemeClr>
-                    </a:gs>
-                    <a:gs pos="78000">
-                      <a:schemeClr val="accent6">
-                        <a:tint val="90000"/>
-                        <a:shade val="89000"/>
-                        <a:satMod val="220000"/>
-                      </a:schemeClr>
-                    </a:gs>
-                    <a:gs pos="100000">
-                      <a:schemeClr val="accent6">
-                        <a:tint val="12000"/>
-                        <a:satMod val="255000"/>
-                      </a:schemeClr>
-                    </a:gs>
-                  </a:gsLst>
-                  <a:lin ang="5400000"/>
-                </a:gradFill>
-                <a:effectLst>
-                  <a:innerShdw blurRad="69850" dist="43180" dir="5400000">
-                    <a:srgbClr val="000000">
-                      <a:alpha val="65000"/>
-                    </a:srgbClr>
-                  </a:innerShdw>
-                </a:effectLst>
-                <a:latin typeface="Times New Roman" pitchFamily="18" charset="0"/>
-                <a:cs typeface="Times New Roman" pitchFamily="18" charset="0"/>
-              </a:rPr>
-              <a:t>:</a:t>
-            </a:r>
-          </a:p>
-          <a:p>
-            <a:pPr lvl="4" algn="just">
-              <a:lnSpc>
-                <a:spcPct val="170000"/>
-              </a:lnSpc>
-              <a:buFont typeface="Wingdings" pitchFamily="2" charset="2"/>
-              <a:buChar char="§"/>
-            </a:pPr>
-            <a:r>
-              <a:rPr lang="en-US" sz="1900" b="1" dirty="0" smtClean="0">
-                <a:ln w="1905"/>
-                <a:gradFill>
-                  <a:gsLst>
-                    <a:gs pos="0">
-                      <a:schemeClr val="accent6">
-                        <a:shade val="20000"/>
-                        <a:satMod val="200000"/>
-                      </a:schemeClr>
-                    </a:gs>
-                    <a:gs pos="78000">
-                      <a:schemeClr val="accent6">
-                        <a:tint val="90000"/>
-                        <a:shade val="89000"/>
-                        <a:satMod val="220000"/>
-                      </a:schemeClr>
-                    </a:gs>
-                    <a:gs pos="100000">
-                      <a:schemeClr val="accent6">
-                        <a:tint val="12000"/>
-                        <a:satMod val="255000"/>
-                      </a:schemeClr>
-                    </a:gs>
-                  </a:gsLst>
-                  <a:lin ang="5400000"/>
-                </a:gradFill>
-                <a:effectLst>
-                  <a:innerShdw blurRad="69850" dist="43180" dir="5400000">
-                    <a:srgbClr val="000000">
-                      <a:alpha val="65000"/>
-                    </a:srgbClr>
-                  </a:innerShdw>
-                </a:effectLst>
-                <a:latin typeface="Times New Roman" pitchFamily="18" charset="0"/>
-                <a:cs typeface="Times New Roman" pitchFamily="18" charset="0"/>
-              </a:rPr>
-              <a:t> </a:t>
-            </a:r>
-            <a:r>
-              <a:rPr lang="en-US" sz="1900" b="1" dirty="0" err="1" smtClean="0">
-                <a:ln w="1905"/>
-                <a:gradFill>
-                  <a:gsLst>
-                    <a:gs pos="0">
-                      <a:schemeClr val="accent6">
-                        <a:shade val="20000"/>
-                        <a:satMod val="200000"/>
-                      </a:schemeClr>
-                    </a:gs>
-                    <a:gs pos="78000">
-                      <a:schemeClr val="accent6">
-                        <a:tint val="90000"/>
-                        <a:shade val="89000"/>
-                        <a:satMod val="220000"/>
-                      </a:schemeClr>
-                    </a:gs>
-                    <a:gs pos="100000">
-                      <a:schemeClr val="accent6">
-                        <a:tint val="12000"/>
-                        <a:satMod val="255000"/>
-                      </a:schemeClr>
-                    </a:gs>
-                  </a:gsLst>
-                  <a:lin ang="5400000"/>
-                </a:gradFill>
-                <a:effectLst>
-                  <a:innerShdw blurRad="69850" dist="43180" dir="5400000">
-                    <a:srgbClr val="000000">
-                      <a:alpha val="65000"/>
-                    </a:srgbClr>
-                  </a:innerShdw>
-                </a:effectLst>
-                <a:latin typeface="Times New Roman" pitchFamily="18" charset="0"/>
-                <a:cs typeface="Times New Roman" pitchFamily="18" charset="0"/>
-              </a:rPr>
-              <a:t>Th.S</a:t>
-            </a:r>
-            <a:r>
-              <a:rPr lang="en-US" sz="1900" b="1" dirty="0" smtClean="0">
-                <a:ln w="1905"/>
-                <a:gradFill>
-                  <a:gsLst>
-                    <a:gs pos="0">
-                      <a:schemeClr val="accent6">
-                        <a:shade val="20000"/>
-                        <a:satMod val="200000"/>
-                      </a:schemeClr>
-                    </a:gs>
-                    <a:gs pos="78000">
-                      <a:schemeClr val="accent6">
-                        <a:tint val="90000"/>
-                        <a:shade val="89000"/>
-                        <a:satMod val="220000"/>
-                      </a:schemeClr>
-                    </a:gs>
-                    <a:gs pos="100000">
-                      <a:schemeClr val="accent6">
-                        <a:tint val="12000"/>
-                        <a:satMod val="255000"/>
-                      </a:schemeClr>
-                    </a:gs>
-                  </a:gsLst>
-                  <a:lin ang="5400000"/>
-                </a:gradFill>
-                <a:effectLst>
-                  <a:innerShdw blurRad="69850" dist="43180" dir="5400000">
-                    <a:srgbClr val="000000">
-                      <a:alpha val="65000"/>
-                    </a:srgbClr>
-                  </a:innerShdw>
-                </a:effectLst>
-                <a:latin typeface="Times New Roman" pitchFamily="18" charset="0"/>
-                <a:cs typeface="Times New Roman" pitchFamily="18" charset="0"/>
-              </a:rPr>
-              <a:t>  </a:t>
-            </a:r>
-            <a:r>
-              <a:rPr lang="en-US" sz="1900" b="1" dirty="0" err="1" smtClean="0">
-                <a:ln w="1905"/>
-                <a:gradFill>
-                  <a:gsLst>
-                    <a:gs pos="0">
-                      <a:schemeClr val="accent6">
-                        <a:shade val="20000"/>
-                        <a:satMod val="200000"/>
-                      </a:schemeClr>
-                    </a:gs>
-                    <a:gs pos="78000">
-                      <a:schemeClr val="accent6">
-                        <a:tint val="90000"/>
-                        <a:shade val="89000"/>
-                        <a:satMod val="220000"/>
-                      </a:schemeClr>
-                    </a:gs>
-                    <a:gs pos="100000">
-                      <a:schemeClr val="accent6">
-                        <a:tint val="12000"/>
-                        <a:satMod val="255000"/>
-                      </a:schemeClr>
-                    </a:gs>
-                  </a:gsLst>
-                  <a:lin ang="5400000"/>
-                </a:gradFill>
-                <a:effectLst>
-                  <a:innerShdw blurRad="69850" dist="43180" dir="5400000">
-                    <a:srgbClr val="000000">
-                      <a:alpha val="65000"/>
-                    </a:srgbClr>
-                  </a:innerShdw>
-                </a:effectLst>
-                <a:latin typeface="Times New Roman" pitchFamily="18" charset="0"/>
-                <a:cs typeface="Times New Roman" pitchFamily="18" charset="0"/>
-              </a:rPr>
-              <a:t>Nguyễn</a:t>
-            </a:r>
-            <a:r>
-              <a:rPr lang="en-US" sz="1900" b="1" dirty="0" smtClean="0">
-                <a:ln w="1905"/>
-                <a:gradFill>
-                  <a:gsLst>
-                    <a:gs pos="0">
-                      <a:schemeClr val="accent6">
-                        <a:shade val="20000"/>
-                        <a:satMod val="200000"/>
-                      </a:schemeClr>
-                    </a:gs>
-                    <a:gs pos="78000">
-                      <a:schemeClr val="accent6">
-                        <a:tint val="90000"/>
-                        <a:shade val="89000"/>
-                        <a:satMod val="220000"/>
-                      </a:schemeClr>
-                    </a:gs>
-                    <a:gs pos="100000">
-                      <a:schemeClr val="accent6">
-                        <a:tint val="12000"/>
-                        <a:satMod val="255000"/>
-                      </a:schemeClr>
-                    </a:gs>
-                  </a:gsLst>
-                  <a:lin ang="5400000"/>
-                </a:gradFill>
-                <a:effectLst>
-                  <a:innerShdw blurRad="69850" dist="43180" dir="5400000">
-                    <a:srgbClr val="000000">
-                      <a:alpha val="65000"/>
-                    </a:srgbClr>
-                  </a:innerShdw>
-                </a:effectLst>
-                <a:latin typeface="Times New Roman" pitchFamily="18" charset="0"/>
-                <a:cs typeface="Times New Roman" pitchFamily="18" charset="0"/>
-              </a:rPr>
-              <a:t> </a:t>
-            </a:r>
-            <a:r>
-              <a:rPr lang="en-US" sz="1900" b="1" dirty="0" err="1" smtClean="0">
-                <a:ln w="1905"/>
-                <a:gradFill>
-                  <a:gsLst>
-                    <a:gs pos="0">
-                      <a:schemeClr val="accent6">
-                        <a:shade val="20000"/>
-                        <a:satMod val="200000"/>
-                      </a:schemeClr>
-                    </a:gs>
-                    <a:gs pos="78000">
-                      <a:schemeClr val="accent6">
-                        <a:tint val="90000"/>
-                        <a:shade val="89000"/>
-                        <a:satMod val="220000"/>
-                      </a:schemeClr>
-                    </a:gs>
-                    <a:gs pos="100000">
-                      <a:schemeClr val="accent6">
-                        <a:tint val="12000"/>
-                        <a:satMod val="255000"/>
-                      </a:schemeClr>
-                    </a:gs>
-                  </a:gsLst>
-                  <a:lin ang="5400000"/>
-                </a:gradFill>
-                <a:effectLst>
-                  <a:innerShdw blurRad="69850" dist="43180" dir="5400000">
-                    <a:srgbClr val="000000">
-                      <a:alpha val="65000"/>
-                    </a:srgbClr>
-                  </a:innerShdw>
-                </a:effectLst>
-                <a:latin typeface="Times New Roman" pitchFamily="18" charset="0"/>
-                <a:cs typeface="Times New Roman" pitchFamily="18" charset="0"/>
-              </a:rPr>
-              <a:t>Thị</a:t>
-            </a:r>
-            <a:r>
-              <a:rPr lang="en-US" sz="1900" b="1" dirty="0" smtClean="0">
-                <a:ln w="1905"/>
-                <a:gradFill>
-                  <a:gsLst>
-                    <a:gs pos="0">
-                      <a:schemeClr val="accent6">
-                        <a:shade val="20000"/>
-                        <a:satMod val="200000"/>
-                      </a:schemeClr>
-                    </a:gs>
-                    <a:gs pos="78000">
-                      <a:schemeClr val="accent6">
-                        <a:tint val="90000"/>
-                        <a:shade val="89000"/>
-                        <a:satMod val="220000"/>
-                      </a:schemeClr>
-                    </a:gs>
-                    <a:gs pos="100000">
-                      <a:schemeClr val="accent6">
-                        <a:tint val="12000"/>
-                        <a:satMod val="255000"/>
-                      </a:schemeClr>
-                    </a:gs>
-                  </a:gsLst>
-                  <a:lin ang="5400000"/>
-                </a:gradFill>
-                <a:effectLst>
-                  <a:innerShdw blurRad="69850" dist="43180" dir="5400000">
-                    <a:srgbClr val="000000">
-                      <a:alpha val="65000"/>
-                    </a:srgbClr>
-                  </a:innerShdw>
-                </a:effectLst>
-                <a:latin typeface="Times New Roman" pitchFamily="18" charset="0"/>
-                <a:cs typeface="Times New Roman" pitchFamily="18" charset="0"/>
-              </a:rPr>
-              <a:t> </a:t>
-            </a:r>
-            <a:r>
-              <a:rPr lang="en-US" sz="1900" b="1" dirty="0" err="1" smtClean="0">
-                <a:ln w="1905"/>
-                <a:gradFill>
-                  <a:gsLst>
-                    <a:gs pos="0">
-                      <a:schemeClr val="accent6">
-                        <a:shade val="20000"/>
-                        <a:satMod val="200000"/>
-                      </a:schemeClr>
-                    </a:gs>
-                    <a:gs pos="78000">
-                      <a:schemeClr val="accent6">
-                        <a:tint val="90000"/>
-                        <a:shade val="89000"/>
-                        <a:satMod val="220000"/>
-                      </a:schemeClr>
-                    </a:gs>
-                    <a:gs pos="100000">
-                      <a:schemeClr val="accent6">
-                        <a:tint val="12000"/>
-                        <a:satMod val="255000"/>
-                      </a:schemeClr>
-                    </a:gs>
-                  </a:gsLst>
-                  <a:lin ang="5400000"/>
-                </a:gradFill>
-                <a:effectLst>
-                  <a:innerShdw blurRad="69850" dist="43180" dir="5400000">
-                    <a:srgbClr val="000000">
-                      <a:alpha val="65000"/>
-                    </a:srgbClr>
-                  </a:innerShdw>
-                </a:effectLst>
-                <a:latin typeface="Times New Roman" pitchFamily="18" charset="0"/>
-                <a:cs typeface="Times New Roman" pitchFamily="18" charset="0"/>
-              </a:rPr>
-              <a:t>Thanh</a:t>
-            </a:r>
-            <a:r>
-              <a:rPr lang="en-US" sz="1900" b="1" dirty="0" smtClean="0">
-                <a:ln w="1905"/>
-                <a:gradFill>
-                  <a:gsLst>
-                    <a:gs pos="0">
-                      <a:schemeClr val="accent6">
-                        <a:shade val="20000"/>
-                        <a:satMod val="200000"/>
-                      </a:schemeClr>
-                    </a:gs>
-                    <a:gs pos="78000">
-                      <a:schemeClr val="accent6">
-                        <a:tint val="90000"/>
-                        <a:shade val="89000"/>
-                        <a:satMod val="220000"/>
-                      </a:schemeClr>
-                    </a:gs>
-                    <a:gs pos="100000">
-                      <a:schemeClr val="accent6">
-                        <a:tint val="12000"/>
-                        <a:satMod val="255000"/>
-                      </a:schemeClr>
-                    </a:gs>
-                  </a:gsLst>
-                  <a:lin ang="5400000"/>
-                </a:gradFill>
-                <a:effectLst>
-                  <a:innerShdw blurRad="69850" dist="43180" dir="5400000">
-                    <a:srgbClr val="000000">
-                      <a:alpha val="65000"/>
-                    </a:srgbClr>
-                  </a:innerShdw>
-                </a:effectLst>
-                <a:latin typeface="Times New Roman" pitchFamily="18" charset="0"/>
-                <a:cs typeface="Times New Roman" pitchFamily="18" charset="0"/>
-              </a:rPr>
-              <a:t> </a:t>
-            </a:r>
-            <a:r>
-              <a:rPr lang="en-US" sz="1900" b="1" dirty="0" err="1" smtClean="0">
-                <a:ln w="1905"/>
-                <a:gradFill>
-                  <a:gsLst>
-                    <a:gs pos="0">
-                      <a:schemeClr val="accent6">
-                        <a:shade val="20000"/>
-                        <a:satMod val="200000"/>
-                      </a:schemeClr>
-                    </a:gs>
-                    <a:gs pos="78000">
-                      <a:schemeClr val="accent6">
-                        <a:tint val="90000"/>
-                        <a:shade val="89000"/>
-                        <a:satMod val="220000"/>
-                      </a:schemeClr>
-                    </a:gs>
-                    <a:gs pos="100000">
-                      <a:schemeClr val="accent6">
-                        <a:tint val="12000"/>
-                        <a:satMod val="255000"/>
-                      </a:schemeClr>
-                    </a:gs>
-                  </a:gsLst>
-                  <a:lin ang="5400000"/>
-                </a:gradFill>
-                <a:effectLst>
-                  <a:innerShdw blurRad="69850" dist="43180" dir="5400000">
-                    <a:srgbClr val="000000">
-                      <a:alpha val="65000"/>
-                    </a:srgbClr>
-                  </a:innerShdw>
-                </a:effectLst>
-                <a:latin typeface="Times New Roman" pitchFamily="18" charset="0"/>
-                <a:cs typeface="Times New Roman" pitchFamily="18" charset="0"/>
-              </a:rPr>
-              <a:t>Bình</a:t>
-            </a:r>
-            <a:endParaRPr lang="en-US" sz="1900" b="1" dirty="0">
+              <a:t>Anh</a:t>
+            </a:r>
+            <a:endParaRPr lang="en-US" sz="1600" b="1" dirty="0">
               <a:ln w="1905"/>
               <a:gradFill>
                 <a:gsLst>
@@ -5541,285 +5750,6 @@
               <a:cs typeface="Times New Roman" pitchFamily="18" charset="0"/>
             </a:endParaRPr>
           </a:p>
-          <a:p>
-            <a:pPr lvl="4" algn="just">
-              <a:lnSpc>
-                <a:spcPct val="170000"/>
-              </a:lnSpc>
-              <a:buFont typeface="Wingdings" pitchFamily="2" charset="2"/>
-              <a:buChar char="§"/>
-            </a:pPr>
-            <a:r>
-              <a:rPr lang="en-US" sz="1900" b="1" dirty="0" smtClean="0">
-                <a:ln w="1905"/>
-                <a:gradFill>
-                  <a:gsLst>
-                    <a:gs pos="0">
-                      <a:schemeClr val="accent6">
-                        <a:shade val="20000"/>
-                        <a:satMod val="200000"/>
-                      </a:schemeClr>
-                    </a:gs>
-                    <a:gs pos="78000">
-                      <a:schemeClr val="accent6">
-                        <a:tint val="90000"/>
-                        <a:shade val="89000"/>
-                        <a:satMod val="220000"/>
-                      </a:schemeClr>
-                    </a:gs>
-                    <a:gs pos="100000">
-                      <a:schemeClr val="accent6">
-                        <a:tint val="12000"/>
-                        <a:satMod val="255000"/>
-                      </a:schemeClr>
-                    </a:gs>
-                  </a:gsLst>
-                  <a:lin ang="5400000"/>
-                </a:gradFill>
-                <a:effectLst>
-                  <a:innerShdw blurRad="69850" dist="43180" dir="5400000">
-                    <a:srgbClr val="000000">
-                      <a:alpha val="65000"/>
-                    </a:srgbClr>
-                  </a:innerShdw>
-                </a:effectLst>
-                <a:latin typeface="Times New Roman" pitchFamily="18" charset="0"/>
-                <a:cs typeface="Times New Roman" pitchFamily="18" charset="0"/>
-              </a:rPr>
-              <a:t> KS </a:t>
-            </a:r>
-            <a:r>
-              <a:rPr lang="en-US" sz="1900" b="1" dirty="0" err="1">
-                <a:ln w="1905"/>
-                <a:gradFill>
-                  <a:gsLst>
-                    <a:gs pos="0">
-                      <a:schemeClr val="accent6">
-                        <a:shade val="20000"/>
-                        <a:satMod val="200000"/>
-                      </a:schemeClr>
-                    </a:gs>
-                    <a:gs pos="78000">
-                      <a:schemeClr val="accent6">
-                        <a:tint val="90000"/>
-                        <a:shade val="89000"/>
-                        <a:satMod val="220000"/>
-                      </a:schemeClr>
-                    </a:gs>
-                    <a:gs pos="100000">
-                      <a:schemeClr val="accent6">
-                        <a:tint val="12000"/>
-                        <a:satMod val="255000"/>
-                      </a:schemeClr>
-                    </a:gs>
-                  </a:gsLst>
-                  <a:lin ang="5400000"/>
-                </a:gradFill>
-                <a:effectLst>
-                  <a:innerShdw blurRad="69850" dist="43180" dir="5400000">
-                    <a:srgbClr val="000000">
-                      <a:alpha val="65000"/>
-                    </a:srgbClr>
-                  </a:innerShdw>
-                </a:effectLst>
-                <a:latin typeface="Times New Roman" pitchFamily="18" charset="0"/>
-                <a:cs typeface="Times New Roman" pitchFamily="18" charset="0"/>
-              </a:rPr>
-              <a:t>Phạm</a:t>
-            </a:r>
-            <a:r>
-              <a:rPr lang="en-US" sz="1900" b="1" dirty="0">
-                <a:ln w="1905"/>
-                <a:gradFill>
-                  <a:gsLst>
-                    <a:gs pos="0">
-                      <a:schemeClr val="accent6">
-                        <a:shade val="20000"/>
-                        <a:satMod val="200000"/>
-                      </a:schemeClr>
-                    </a:gs>
-                    <a:gs pos="78000">
-                      <a:schemeClr val="accent6">
-                        <a:tint val="90000"/>
-                        <a:shade val="89000"/>
-                        <a:satMod val="220000"/>
-                      </a:schemeClr>
-                    </a:gs>
-                    <a:gs pos="100000">
-                      <a:schemeClr val="accent6">
-                        <a:tint val="12000"/>
-                        <a:satMod val="255000"/>
-                      </a:schemeClr>
-                    </a:gs>
-                  </a:gsLst>
-                  <a:lin ang="5400000"/>
-                </a:gradFill>
-                <a:effectLst>
-                  <a:innerShdw blurRad="69850" dist="43180" dir="5400000">
-                    <a:srgbClr val="000000">
-                      <a:alpha val="65000"/>
-                    </a:srgbClr>
-                  </a:innerShdw>
-                </a:effectLst>
-                <a:latin typeface="Times New Roman" pitchFamily="18" charset="0"/>
-                <a:cs typeface="Times New Roman" pitchFamily="18" charset="0"/>
-              </a:rPr>
-              <a:t> </a:t>
-            </a:r>
-            <a:r>
-              <a:rPr lang="en-US" sz="1900" b="1" dirty="0" err="1">
-                <a:ln w="1905"/>
-                <a:gradFill>
-                  <a:gsLst>
-                    <a:gs pos="0">
-                      <a:schemeClr val="accent6">
-                        <a:shade val="20000"/>
-                        <a:satMod val="200000"/>
-                      </a:schemeClr>
-                    </a:gs>
-                    <a:gs pos="78000">
-                      <a:schemeClr val="accent6">
-                        <a:tint val="90000"/>
-                        <a:shade val="89000"/>
-                        <a:satMod val="220000"/>
-                      </a:schemeClr>
-                    </a:gs>
-                    <a:gs pos="100000">
-                      <a:schemeClr val="accent6">
-                        <a:tint val="12000"/>
-                        <a:satMod val="255000"/>
-                      </a:schemeClr>
-                    </a:gs>
-                  </a:gsLst>
-                  <a:lin ang="5400000"/>
-                </a:gradFill>
-                <a:effectLst>
-                  <a:innerShdw blurRad="69850" dist="43180" dir="5400000">
-                    <a:srgbClr val="000000">
-                      <a:alpha val="65000"/>
-                    </a:srgbClr>
-                  </a:innerShdw>
-                </a:effectLst>
-                <a:latin typeface="Times New Roman" pitchFamily="18" charset="0"/>
-                <a:cs typeface="Times New Roman" pitchFamily="18" charset="0"/>
-              </a:rPr>
-              <a:t>Tuấn</a:t>
-            </a:r>
-            <a:r>
-              <a:rPr lang="en-US" sz="1900" b="1" dirty="0">
-                <a:ln w="1905"/>
-                <a:gradFill>
-                  <a:gsLst>
-                    <a:gs pos="0">
-                      <a:schemeClr val="accent6">
-                        <a:shade val="20000"/>
-                        <a:satMod val="200000"/>
-                      </a:schemeClr>
-                    </a:gs>
-                    <a:gs pos="78000">
-                      <a:schemeClr val="accent6">
-                        <a:tint val="90000"/>
-                        <a:shade val="89000"/>
-                        <a:satMod val="220000"/>
-                      </a:schemeClr>
-                    </a:gs>
-                    <a:gs pos="100000">
-                      <a:schemeClr val="accent6">
-                        <a:tint val="12000"/>
-                        <a:satMod val="255000"/>
-                      </a:schemeClr>
-                    </a:gs>
-                  </a:gsLst>
-                  <a:lin ang="5400000"/>
-                </a:gradFill>
-                <a:effectLst>
-                  <a:innerShdw blurRad="69850" dist="43180" dir="5400000">
-                    <a:srgbClr val="000000">
-                      <a:alpha val="65000"/>
-                    </a:srgbClr>
-                  </a:innerShdw>
-                </a:effectLst>
-                <a:latin typeface="Times New Roman" pitchFamily="18" charset="0"/>
-                <a:cs typeface="Times New Roman" pitchFamily="18" charset="0"/>
-              </a:rPr>
-              <a:t> </a:t>
-            </a:r>
-            <a:r>
-              <a:rPr lang="en-US" sz="1900" b="1" dirty="0" err="1">
-                <a:ln w="1905"/>
-                <a:gradFill>
-                  <a:gsLst>
-                    <a:gs pos="0">
-                      <a:schemeClr val="accent6">
-                        <a:shade val="20000"/>
-                        <a:satMod val="200000"/>
-                      </a:schemeClr>
-                    </a:gs>
-                    <a:gs pos="78000">
-                      <a:schemeClr val="accent6">
-                        <a:tint val="90000"/>
-                        <a:shade val="89000"/>
-                        <a:satMod val="220000"/>
-                      </a:schemeClr>
-                    </a:gs>
-                    <a:gs pos="100000">
-                      <a:schemeClr val="accent6">
-                        <a:tint val="12000"/>
-                        <a:satMod val="255000"/>
-                      </a:schemeClr>
-                    </a:gs>
-                  </a:gsLst>
-                  <a:lin ang="5400000"/>
-                </a:gradFill>
-                <a:effectLst>
-                  <a:innerShdw blurRad="69850" dist="43180" dir="5400000">
-                    <a:srgbClr val="000000">
-                      <a:alpha val="65000"/>
-                    </a:srgbClr>
-                  </a:innerShdw>
-                </a:effectLst>
-                <a:latin typeface="Times New Roman" pitchFamily="18" charset="0"/>
-                <a:cs typeface="Times New Roman" pitchFamily="18" charset="0"/>
-              </a:rPr>
-              <a:t>Anh</a:t>
-            </a:r>
-            <a:endParaRPr lang="en-US" sz="1900" b="1" dirty="0">
-              <a:ln w="1905"/>
-              <a:gradFill>
-                <a:gsLst>
-                  <a:gs pos="0">
-                    <a:schemeClr val="accent6">
-                      <a:shade val="20000"/>
-                      <a:satMod val="200000"/>
-                    </a:schemeClr>
-                  </a:gs>
-                  <a:gs pos="78000">
-                    <a:schemeClr val="accent6">
-                      <a:tint val="90000"/>
-                      <a:shade val="89000"/>
-                      <a:satMod val="220000"/>
-                    </a:schemeClr>
-                  </a:gs>
-                  <a:gs pos="100000">
-                    <a:schemeClr val="accent6">
-                      <a:tint val="12000"/>
-                      <a:satMod val="255000"/>
-                    </a:schemeClr>
-                  </a:gs>
-                </a:gsLst>
-                <a:lin ang="5400000"/>
-              </a:gradFill>
-              <a:effectLst>
-                <a:innerShdw blurRad="69850" dist="43180" dir="5400000">
-                  <a:srgbClr val="000000">
-                    <a:alpha val="65000"/>
-                  </a:srgbClr>
-                </a:innerShdw>
-              </a:effectLst>
-              <a:latin typeface="Times New Roman" pitchFamily="18" charset="0"/>
-              <a:cs typeface="Times New Roman" pitchFamily="18" charset="0"/>
-            </a:endParaRPr>
-          </a:p>
         </p:txBody>
       </p:sp>
       <p:sp>
@@ -5841,7 +5771,7 @@
               <a:rPr lang="en-US" smtClean="0"/>
               <a:t>1</a:t>
             </a:fld>
-            <a:endParaRPr lang="en-US"/>
+            <a:endParaRPr lang="en-US" dirty="0"/>
           </a:p>
         </p:txBody>
       </p:sp>
@@ -5854,7 +5784,7 @@
           <p:nvPr/>
         </p:nvPicPr>
         <p:blipFill>
-          <a:blip r:embed="rId3"/>
+          <a:blip r:embed="rId2"/>
           <a:srcRect/>
           <a:stretch>
             <a:fillRect/>
@@ -5862,7 +5792,7 @@
         </p:blipFill>
         <p:spPr bwMode="auto">
           <a:xfrm>
-            <a:off x="579437" y="2285999"/>
+            <a:off x="207818" y="1600200"/>
             <a:ext cx="3611563" cy="4572001"/>
           </a:xfrm>
           <a:prstGeom prst="rect">
@@ -5903,72 +5833,6 @@
           <a:chExt cx="0" cy="0"/>
         </a:xfrm>
       </p:grpSpPr>
-      <p:pic>
-        <p:nvPicPr>
-          <p:cNvPr id="6" name="Picture 3" descr="E:\LAM VIEC\NTDV\Pes\Uom mam tre tho\Source Code\PESWeb\images\Children_dq.gif"/>
-          <p:cNvPicPr>
-            <a:picLocks noChangeAspect="1" noChangeArrowheads="1"/>
-          </p:cNvPicPr>
-          <p:nvPr/>
-        </p:nvPicPr>
-        <p:blipFill>
-          <a:blip r:embed="rId2"/>
-          <a:srcRect/>
-          <a:stretch>
-            <a:fillRect/>
-          </a:stretch>
-        </p:blipFill>
-        <p:spPr bwMode="auto">
-          <a:xfrm>
-            <a:off x="76200" y="5638800"/>
-            <a:ext cx="914399" cy="1143000"/>
-          </a:xfrm>
-          <a:prstGeom prst="rect">
-            <a:avLst/>
-          </a:prstGeom>
-          <a:noFill/>
-        </p:spPr>
-      </p:pic>
-      <p:pic>
-        <p:nvPicPr>
-          <p:cNvPr id="1026" name="Picture 2" descr="E:\LAM VIEC\NTDV\Pes\Uom mam tre tho\Source Code\PESWeb\images\Studyinghome.png"/>
-          <p:cNvPicPr>
-            <a:picLocks noChangeAspect="1" noChangeArrowheads="1"/>
-          </p:cNvPicPr>
-          <p:nvPr/>
-        </p:nvPicPr>
-        <p:blipFill>
-          <a:blip r:embed="rId3">
-            <a:lum/>
-          </a:blip>
-          <a:srcRect/>
-          <a:stretch>
-            <a:fillRect/>
-          </a:stretch>
-        </p:blipFill>
-        <p:spPr bwMode="auto">
-          <a:xfrm>
-            <a:off x="0" y="0"/>
-            <a:ext cx="9144000" cy="838200"/>
-          </a:xfrm>
-          <a:prstGeom prst="roundRect">
-            <a:avLst>
-              <a:gd name="adj" fmla="val 0"/>
-            </a:avLst>
-          </a:prstGeom>
-          <a:solidFill>
-            <a:srgbClr val="FFFFFF">
-              <a:shade val="85000"/>
-            </a:srgbClr>
-          </a:solidFill>
-          <a:ln>
-            <a:noFill/>
-          </a:ln>
-          <a:effectLst>
-            <a:reflection blurRad="12700" stA="38000" endPos="28000" dist="5000" dir="5400000" sy="-100000" algn="bl" rotWithShape="0"/>
-          </a:effectLst>
-        </p:spPr>
-      </p:pic>
       <p:sp>
         <p:nvSpPr>
           <p:cNvPr id="2" name="Title 1"/>
@@ -5981,7 +5845,7 @@
         </p:nvSpPr>
         <p:spPr>
           <a:xfrm>
-            <a:off x="0" y="838200"/>
+            <a:off x="0" y="990600"/>
             <a:ext cx="9144000" cy="609600"/>
           </a:xfrm>
         </p:spPr>
@@ -6529,66 +6393,6 @@
           </a:p>
         </p:txBody>
       </p:sp>
-      <p:pic>
-        <p:nvPicPr>
-          <p:cNvPr id="7" name="Picture 2"/>
-          <p:cNvPicPr>
-            <a:picLocks noChangeAspect="1" noChangeArrowheads="1"/>
-          </p:cNvPicPr>
-          <p:nvPr/>
-        </p:nvPicPr>
-        <p:blipFill>
-          <a:blip r:embed="rId4">
-            <a:extLst>
-              <a:ext uri="{28A0092B-C50C-407E-A947-70E740481C1C}">
-                <a14:useLocalDpi xmlns:a14="http://schemas.microsoft.com/office/drawing/2010/main" val="0"/>
-              </a:ext>
-            </a:extLst>
-          </a:blip>
-          <a:srcRect/>
-          <a:stretch>
-            <a:fillRect/>
-          </a:stretch>
-        </p:blipFill>
-        <p:spPr bwMode="auto">
-          <a:xfrm>
-            <a:off x="1066800" y="1780364"/>
-            <a:ext cx="7516179" cy="4239436"/>
-          </a:xfrm>
-          <a:prstGeom prst="rect">
-            <a:avLst/>
-          </a:prstGeom>
-          <a:ln>
-            <a:noFill/>
-          </a:ln>
-          <a:effectLst>
-            <a:outerShdw blurRad="190500" algn="tl" rotWithShape="0">
-              <a:srgbClr val="000000">
-                <a:alpha val="70000"/>
-              </a:srgbClr>
-            </a:outerShdw>
-          </a:effectLst>
-          <a:extLst>
-            <a:ext uri="{909E8E84-426E-40DD-AFC4-6F175D3DCCD1}">
-              <a14:hiddenFill xmlns:a14="http://schemas.microsoft.com/office/drawing/2010/main">
-                <a:solidFill>
-                  <a:schemeClr val="accent1"/>
-                </a:solidFill>
-              </a14:hiddenFill>
-            </a:ext>
-            <a:ext uri="{91240B29-F687-4F45-9708-019B960494DF}">
-              <a14:hiddenLine xmlns:a14="http://schemas.microsoft.com/office/drawing/2010/main" w="9525">
-                <a:solidFill>
-                  <a:schemeClr val="tx1"/>
-                </a:solidFill>
-                <a:miter lim="800000"/>
-                <a:headEnd/>
-                <a:tailEnd/>
-              </a14:hiddenLine>
-            </a:ext>
-          </a:extLst>
-        </p:spPr>
-      </p:pic>
     </p:spTree>
     <p:extLst>
       <p:ext uri="{BB962C8B-B14F-4D97-AF65-F5344CB8AC3E}">
@@ -6652,46 +6456,6 @@
           <a:noFill/>
         </p:spPr>
       </p:pic>
-      <p:pic>
-        <p:nvPicPr>
-          <p:cNvPr id="1026" name="Picture 2" descr="E:\LAM VIEC\NTDV\Pes\Uom mam tre tho\Source Code\PESWeb\images\Studyinghome.png"/>
-          <p:cNvPicPr>
-            <a:picLocks noChangeAspect="1" noChangeArrowheads="1"/>
-          </p:cNvPicPr>
-          <p:nvPr/>
-        </p:nvPicPr>
-        <p:blipFill>
-          <a:blip r:embed="rId3">
-            <a:lum/>
-          </a:blip>
-          <a:srcRect/>
-          <a:stretch>
-            <a:fillRect/>
-          </a:stretch>
-        </p:blipFill>
-        <p:spPr bwMode="auto">
-          <a:xfrm>
-            <a:off x="0" y="0"/>
-            <a:ext cx="9144000" cy="838200"/>
-          </a:xfrm>
-          <a:prstGeom prst="roundRect">
-            <a:avLst>
-              <a:gd name="adj" fmla="val 0"/>
-            </a:avLst>
-          </a:prstGeom>
-          <a:solidFill>
-            <a:srgbClr val="FFFFFF">
-              <a:shade val="85000"/>
-            </a:srgbClr>
-          </a:solidFill>
-          <a:ln>
-            <a:noFill/>
-          </a:ln>
-          <a:effectLst>
-            <a:reflection blurRad="12700" stA="38000" endPos="28000" dist="5000" dir="5400000" sy="-100000" algn="bl" rotWithShape="0"/>
-          </a:effectLst>
-        </p:spPr>
-      </p:pic>
       <p:sp>
         <p:nvSpPr>
           <p:cNvPr id="2" name="Title 1"/>
@@ -6704,7 +6468,7 @@
         </p:nvSpPr>
         <p:spPr>
           <a:xfrm>
-            <a:off x="0" y="838200"/>
+            <a:off x="0" y="990600"/>
             <a:ext cx="9144000" cy="609600"/>
           </a:xfrm>
         </p:spPr>
@@ -7277,7 +7041,7 @@
           <a:p>
             <a:pPr algn="l">
               <a:buBlip>
-                <a:blip r:embed="rId4"/>
+                <a:blip r:embed="rId3"/>
               </a:buBlip>
             </a:pPr>
             <a:r>
@@ -7600,7 +7364,7 @@
           <a:p>
             <a:pPr algn="l">
               <a:buBlip>
-                <a:blip r:embed="rId4"/>
+                <a:blip r:embed="rId3"/>
               </a:buBlip>
             </a:pPr>
             <a:r>
@@ -7904,7 +7668,7 @@
           <a:p>
             <a:pPr algn="l">
               <a:buBlip>
-                <a:blip r:embed="rId4"/>
+                <a:blip r:embed="rId3"/>
               </a:buBlip>
             </a:pPr>
             <a:r>
@@ -8220,72 +7984,6 @@
           <a:chExt cx="0" cy="0"/>
         </a:xfrm>
       </p:grpSpPr>
-      <p:pic>
-        <p:nvPicPr>
-          <p:cNvPr id="6" name="Picture 3" descr="E:\LAM VIEC\NTDV\Pes\Uom mam tre tho\Source Code\PESWeb\images\Children_dq.gif"/>
-          <p:cNvPicPr>
-            <a:picLocks noChangeAspect="1" noChangeArrowheads="1"/>
-          </p:cNvPicPr>
-          <p:nvPr/>
-        </p:nvPicPr>
-        <p:blipFill>
-          <a:blip r:embed="rId2"/>
-          <a:srcRect/>
-          <a:stretch>
-            <a:fillRect/>
-          </a:stretch>
-        </p:blipFill>
-        <p:spPr bwMode="auto">
-          <a:xfrm>
-            <a:off x="76200" y="5638800"/>
-            <a:ext cx="914399" cy="1143000"/>
-          </a:xfrm>
-          <a:prstGeom prst="rect">
-            <a:avLst/>
-          </a:prstGeom>
-          <a:noFill/>
-        </p:spPr>
-      </p:pic>
-      <p:pic>
-        <p:nvPicPr>
-          <p:cNvPr id="1026" name="Picture 2" descr="E:\LAM VIEC\NTDV\Pes\Uom mam tre tho\Source Code\PESWeb\images\Studyinghome.png"/>
-          <p:cNvPicPr>
-            <a:picLocks noChangeAspect="1" noChangeArrowheads="1"/>
-          </p:cNvPicPr>
-          <p:nvPr/>
-        </p:nvPicPr>
-        <p:blipFill>
-          <a:blip r:embed="rId3">
-            <a:lum/>
-          </a:blip>
-          <a:srcRect/>
-          <a:stretch>
-            <a:fillRect/>
-          </a:stretch>
-        </p:blipFill>
-        <p:spPr bwMode="auto">
-          <a:xfrm>
-            <a:off x="0" y="0"/>
-            <a:ext cx="9144000" cy="838200"/>
-          </a:xfrm>
-          <a:prstGeom prst="roundRect">
-            <a:avLst>
-              <a:gd name="adj" fmla="val 0"/>
-            </a:avLst>
-          </a:prstGeom>
-          <a:solidFill>
-            <a:srgbClr val="FFFFFF">
-              <a:shade val="85000"/>
-            </a:srgbClr>
-          </a:solidFill>
-          <a:ln>
-            <a:noFill/>
-          </a:ln>
-          <a:effectLst>
-            <a:reflection blurRad="12700" stA="38000" endPos="28000" dist="5000" dir="5400000" sy="-100000" algn="bl" rotWithShape="0"/>
-          </a:effectLst>
-        </p:spPr>
-      </p:pic>
       <p:sp>
         <p:nvSpPr>
           <p:cNvPr id="2" name="Title 1"/>
@@ -8298,7 +7996,7 @@
         </p:nvSpPr>
         <p:spPr>
           <a:xfrm>
-            <a:off x="0" y="838200"/>
+            <a:off x="0" y="914400"/>
             <a:ext cx="9144000" cy="609600"/>
           </a:xfrm>
         </p:spPr>
@@ -8686,7 +8384,7 @@
           <a:p>
             <a:pPr algn="l">
               <a:buBlip>
-                <a:blip r:embed="rId4"/>
+                <a:blip r:embed="rId2"/>
               </a:buBlip>
             </a:pPr>
             <a:r>
@@ -8712,7 +8410,7 @@
           <a:p>
             <a:pPr algn="l">
               <a:buBlip>
-                <a:blip r:embed="rId4"/>
+                <a:blip r:embed="rId2"/>
               </a:buBlip>
             </a:pPr>
             <a:r>
@@ -8743,7 +8441,7 @@
           <a:p>
             <a:pPr algn="l">
               <a:buBlip>
-                <a:blip r:embed="rId4"/>
+                <a:blip r:embed="rId2"/>
               </a:buBlip>
             </a:pPr>
             <a:r>
@@ -8762,7 +8460,7 @@
           <a:p>
             <a:pPr algn="l">
               <a:buBlip>
-                <a:blip r:embed="rId4"/>
+                <a:blip r:embed="rId2"/>
               </a:buBlip>
             </a:pPr>
             <a:r>
@@ -8781,7 +8479,7 @@
           <a:p>
             <a:pPr algn="l">
               <a:buBlip>
-                <a:blip r:embed="rId4"/>
+                <a:blip r:embed="rId2"/>
               </a:buBlip>
             </a:pPr>
             <a:r>
@@ -8800,7 +8498,7 @@
           <a:p>
             <a:pPr algn="l">
               <a:buBlip>
-                <a:blip r:embed="rId4"/>
+                <a:blip r:embed="rId2"/>
               </a:buBlip>
             </a:pPr>
             <a:r>
@@ -8819,7 +8517,7 @@
           <a:p>
             <a:pPr algn="l">
               <a:buBlip>
-                <a:blip r:embed="rId4"/>
+                <a:blip r:embed="rId2"/>
               </a:buBlip>
             </a:pPr>
             <a:r>
@@ -8859,7 +8557,7 @@
           <a:p>
             <a:pPr algn="l">
               <a:buBlip>
-                <a:blip r:embed="rId4"/>
+                <a:blip r:embed="rId2"/>
               </a:buBlip>
             </a:pPr>
             <a:r>
@@ -8878,7 +8576,7 @@
           <a:p>
             <a:pPr algn="l">
               <a:buBlip>
-                <a:blip r:embed="rId4"/>
+                <a:blip r:embed="rId2"/>
               </a:buBlip>
             </a:pPr>
             <a:r>
@@ -8942,72 +8640,6 @@
           <a:chExt cx="0" cy="0"/>
         </a:xfrm>
       </p:grpSpPr>
-      <p:pic>
-        <p:nvPicPr>
-          <p:cNvPr id="6" name="Picture 3" descr="E:\LAM VIEC\NTDV\Pes\Uom mam tre tho\Source Code\PESWeb\images\Children_dq.gif"/>
-          <p:cNvPicPr>
-            <a:picLocks noChangeAspect="1" noChangeArrowheads="1"/>
-          </p:cNvPicPr>
-          <p:nvPr/>
-        </p:nvPicPr>
-        <p:blipFill>
-          <a:blip r:embed="rId2"/>
-          <a:srcRect/>
-          <a:stretch>
-            <a:fillRect/>
-          </a:stretch>
-        </p:blipFill>
-        <p:spPr bwMode="auto">
-          <a:xfrm>
-            <a:off x="76200" y="5638800"/>
-            <a:ext cx="914399" cy="1143000"/>
-          </a:xfrm>
-          <a:prstGeom prst="rect">
-            <a:avLst/>
-          </a:prstGeom>
-          <a:noFill/>
-        </p:spPr>
-      </p:pic>
-      <p:pic>
-        <p:nvPicPr>
-          <p:cNvPr id="1026" name="Picture 2" descr="E:\LAM VIEC\NTDV\Pes\Uom mam tre tho\Source Code\PESWeb\images\Studyinghome.png"/>
-          <p:cNvPicPr>
-            <a:picLocks noChangeAspect="1" noChangeArrowheads="1"/>
-          </p:cNvPicPr>
-          <p:nvPr/>
-        </p:nvPicPr>
-        <p:blipFill>
-          <a:blip r:embed="rId3">
-            <a:lum/>
-          </a:blip>
-          <a:srcRect/>
-          <a:stretch>
-            <a:fillRect/>
-          </a:stretch>
-        </p:blipFill>
-        <p:spPr bwMode="auto">
-          <a:xfrm>
-            <a:off x="0" y="10886"/>
-            <a:ext cx="9144000" cy="838200"/>
-          </a:xfrm>
-          <a:prstGeom prst="roundRect">
-            <a:avLst>
-              <a:gd name="adj" fmla="val 0"/>
-            </a:avLst>
-          </a:prstGeom>
-          <a:solidFill>
-            <a:srgbClr val="FFFFFF">
-              <a:shade val="85000"/>
-            </a:srgbClr>
-          </a:solidFill>
-          <a:ln>
-            <a:noFill/>
-          </a:ln>
-          <a:effectLst>
-            <a:reflection blurRad="12700" stA="38000" endPos="28000" dist="5000" dir="5400000" sy="-100000" algn="bl" rotWithShape="0"/>
-          </a:effectLst>
-        </p:spPr>
-      </p:pic>
       <p:sp>
         <p:nvSpPr>
           <p:cNvPr id="2" name="Title 1"/>
@@ -9499,7 +9131,7 @@
           <p:nvPr/>
         </p:nvPicPr>
         <p:blipFill>
-          <a:blip r:embed="rId4">
+          <a:blip r:embed="rId2">
             <a:extLst>
               <a:ext uri="{28A0092B-C50C-407E-A947-70E740481C1C}">
                 <a14:useLocalDpi xmlns:a14="http://schemas.microsoft.com/office/drawing/2010/main" val="0"/>
@@ -9513,7 +9145,7 @@
         </p:blipFill>
         <p:spPr bwMode="auto">
           <a:xfrm>
-            <a:off x="3142364" y="2672811"/>
+            <a:off x="2931928" y="2286000"/>
             <a:ext cx="2859272" cy="2914141"/>
           </a:xfrm>
           <a:prstGeom prst="rect">
@@ -9591,72 +9223,6 @@
           <a:chExt cx="0" cy="0"/>
         </a:xfrm>
       </p:grpSpPr>
-      <p:pic>
-        <p:nvPicPr>
-          <p:cNvPr id="6" name="Picture 3" descr="E:\LAM VIEC\NTDV\Pes\Uom mam tre tho\Source Code\PESWeb\images\Children_dq.gif"/>
-          <p:cNvPicPr>
-            <a:picLocks noChangeAspect="1" noChangeArrowheads="1"/>
-          </p:cNvPicPr>
-          <p:nvPr/>
-        </p:nvPicPr>
-        <p:blipFill>
-          <a:blip r:embed="rId2"/>
-          <a:srcRect/>
-          <a:stretch>
-            <a:fillRect/>
-          </a:stretch>
-        </p:blipFill>
-        <p:spPr bwMode="auto">
-          <a:xfrm>
-            <a:off x="76200" y="5638800"/>
-            <a:ext cx="914399" cy="1143000"/>
-          </a:xfrm>
-          <a:prstGeom prst="rect">
-            <a:avLst/>
-          </a:prstGeom>
-          <a:noFill/>
-        </p:spPr>
-      </p:pic>
-      <p:pic>
-        <p:nvPicPr>
-          <p:cNvPr id="1026" name="Picture 2" descr="E:\LAM VIEC\NTDV\Pes\Uom mam tre tho\Source Code\PESWeb\images\Studyinghome.png"/>
-          <p:cNvPicPr>
-            <a:picLocks noChangeAspect="1" noChangeArrowheads="1"/>
-          </p:cNvPicPr>
-          <p:nvPr/>
-        </p:nvPicPr>
-        <p:blipFill>
-          <a:blip r:embed="rId3">
-            <a:lum/>
-          </a:blip>
-          <a:srcRect/>
-          <a:stretch>
-            <a:fillRect/>
-          </a:stretch>
-        </p:blipFill>
-        <p:spPr bwMode="auto">
-          <a:xfrm>
-            <a:off x="0" y="0"/>
-            <a:ext cx="9144000" cy="838200"/>
-          </a:xfrm>
-          <a:prstGeom prst="roundRect">
-            <a:avLst>
-              <a:gd name="adj" fmla="val 0"/>
-            </a:avLst>
-          </a:prstGeom>
-          <a:solidFill>
-            <a:srgbClr val="FFFFFF">
-              <a:shade val="85000"/>
-            </a:srgbClr>
-          </a:solidFill>
-          <a:ln>
-            <a:noFill/>
-          </a:ln>
-          <a:effectLst>
-            <a:reflection blurRad="12700" stA="38000" endPos="28000" dist="5000" dir="5400000" sy="-100000" algn="bl" rotWithShape="0"/>
-          </a:effectLst>
-        </p:spPr>
-      </p:pic>
       <p:sp>
         <p:nvSpPr>
           <p:cNvPr id="2" name="Title 1"/>
@@ -10070,7 +9636,7 @@
           <p:nvPr/>
         </p:nvPicPr>
         <p:blipFill>
-          <a:blip r:embed="rId4">
+          <a:blip r:embed="rId2">
             <a:extLst>
               <a:ext uri="{28A0092B-C50C-407E-A947-70E740481C1C}">
                 <a14:useLocalDpi xmlns:a14="http://schemas.microsoft.com/office/drawing/2010/main" val="0"/>
@@ -10111,7 +9677,7 @@
           <p:nvPr/>
         </p:nvPicPr>
         <p:blipFill>
-          <a:blip r:embed="rId5">
+          <a:blip r:embed="rId3">
             <a:extLst>
               <a:ext uri="{28A0092B-C50C-407E-A947-70E740481C1C}">
                 <a14:useLocalDpi xmlns:a14="http://schemas.microsoft.com/office/drawing/2010/main" val="0"/>
@@ -10180,72 +9746,6 @@
           <a:chExt cx="0" cy="0"/>
         </a:xfrm>
       </p:grpSpPr>
-      <p:pic>
-        <p:nvPicPr>
-          <p:cNvPr id="6" name="Picture 3" descr="E:\LAM VIEC\NTDV\Pes\Uom mam tre tho\Source Code\PESWeb\images\Children_dq.gif"/>
-          <p:cNvPicPr>
-            <a:picLocks noChangeAspect="1" noChangeArrowheads="1"/>
-          </p:cNvPicPr>
-          <p:nvPr/>
-        </p:nvPicPr>
-        <p:blipFill>
-          <a:blip r:embed="rId2"/>
-          <a:srcRect/>
-          <a:stretch>
-            <a:fillRect/>
-          </a:stretch>
-        </p:blipFill>
-        <p:spPr bwMode="auto">
-          <a:xfrm>
-            <a:off x="76200" y="5638800"/>
-            <a:ext cx="914399" cy="1143000"/>
-          </a:xfrm>
-          <a:prstGeom prst="rect">
-            <a:avLst/>
-          </a:prstGeom>
-          <a:noFill/>
-        </p:spPr>
-      </p:pic>
-      <p:pic>
-        <p:nvPicPr>
-          <p:cNvPr id="1026" name="Picture 2" descr="E:\LAM VIEC\NTDV\Pes\Uom mam tre tho\Source Code\PESWeb\images\Studyinghome.png"/>
-          <p:cNvPicPr>
-            <a:picLocks noChangeAspect="1" noChangeArrowheads="1"/>
-          </p:cNvPicPr>
-          <p:nvPr/>
-        </p:nvPicPr>
-        <p:blipFill>
-          <a:blip r:embed="rId3">
-            <a:lum/>
-          </a:blip>
-          <a:srcRect/>
-          <a:stretch>
-            <a:fillRect/>
-          </a:stretch>
-        </p:blipFill>
-        <p:spPr bwMode="auto">
-          <a:xfrm>
-            <a:off x="0" y="0"/>
-            <a:ext cx="9144000" cy="838200"/>
-          </a:xfrm>
-          <a:prstGeom prst="roundRect">
-            <a:avLst>
-              <a:gd name="adj" fmla="val 0"/>
-            </a:avLst>
-          </a:prstGeom>
-          <a:solidFill>
-            <a:srgbClr val="FFFFFF">
-              <a:shade val="85000"/>
-            </a:srgbClr>
-          </a:solidFill>
-          <a:ln>
-            <a:noFill/>
-          </a:ln>
-          <a:effectLst>
-            <a:reflection blurRad="12700" stA="38000" endPos="28000" dist="5000" dir="5400000" sy="-100000" algn="bl" rotWithShape="0"/>
-          </a:effectLst>
-        </p:spPr>
-      </p:pic>
       <p:sp>
         <p:nvSpPr>
           <p:cNvPr id="2" name="Title 1"/>
@@ -10556,7 +10056,7 @@
         </p:nvSpPr>
         <p:spPr>
           <a:xfrm>
-            <a:off x="1143000" y="1600200"/>
+            <a:off x="1143000" y="1524000"/>
             <a:ext cx="7543800" cy="5029200"/>
           </a:xfrm>
         </p:spPr>
@@ -10568,7 +10068,7 @@
           <a:p>
             <a:pPr algn="just">
               <a:buBlip>
-                <a:blip r:embed="rId4"/>
+                <a:blip r:embed="rId2"/>
               </a:buBlip>
             </a:pPr>
             <a:r>
@@ -10605,7 +10105,7 @@
           <a:p>
             <a:pPr algn="just">
               <a:buBlip>
-                <a:blip r:embed="rId4"/>
+                <a:blip r:embed="rId2"/>
               </a:buBlip>
             </a:pPr>
             <a:r>
@@ -10642,7 +10142,7 @@
           <a:p>
             <a:pPr algn="just">
               <a:buBlip>
-                <a:blip r:embed="rId4"/>
+                <a:blip r:embed="rId2"/>
               </a:buBlip>
             </a:pPr>
             <a:r>
@@ -10679,7 +10179,7 @@
           <a:p>
             <a:pPr algn="just">
               <a:buBlip>
-                <a:blip r:embed="rId4"/>
+                <a:blip r:embed="rId2"/>
               </a:buBlip>
             </a:pPr>
             <a:r>
@@ -10769,72 +10269,6 @@
           <a:chExt cx="0" cy="0"/>
         </a:xfrm>
       </p:grpSpPr>
-      <p:pic>
-        <p:nvPicPr>
-          <p:cNvPr id="6" name="Picture 3" descr="E:\LAM VIEC\NTDV\Pes\Uom mam tre tho\Source Code\PESWeb\images\Children_dq.gif"/>
-          <p:cNvPicPr>
-            <a:picLocks noChangeAspect="1" noChangeArrowheads="1"/>
-          </p:cNvPicPr>
-          <p:nvPr/>
-        </p:nvPicPr>
-        <p:blipFill>
-          <a:blip r:embed="rId2"/>
-          <a:srcRect/>
-          <a:stretch>
-            <a:fillRect/>
-          </a:stretch>
-        </p:blipFill>
-        <p:spPr bwMode="auto">
-          <a:xfrm>
-            <a:off x="76200" y="5638800"/>
-            <a:ext cx="914399" cy="1143000"/>
-          </a:xfrm>
-          <a:prstGeom prst="rect">
-            <a:avLst/>
-          </a:prstGeom>
-          <a:noFill/>
-        </p:spPr>
-      </p:pic>
-      <p:pic>
-        <p:nvPicPr>
-          <p:cNvPr id="1026" name="Picture 2" descr="E:\LAM VIEC\NTDV\Pes\Uom mam tre tho\Source Code\PESWeb\images\Studyinghome.png"/>
-          <p:cNvPicPr>
-            <a:picLocks noChangeAspect="1" noChangeArrowheads="1"/>
-          </p:cNvPicPr>
-          <p:nvPr/>
-        </p:nvPicPr>
-        <p:blipFill>
-          <a:blip r:embed="rId3">
-            <a:lum/>
-          </a:blip>
-          <a:srcRect/>
-          <a:stretch>
-            <a:fillRect/>
-          </a:stretch>
-        </p:blipFill>
-        <p:spPr bwMode="auto">
-          <a:xfrm>
-            <a:off x="0" y="0"/>
-            <a:ext cx="9144000" cy="838200"/>
-          </a:xfrm>
-          <a:prstGeom prst="roundRect">
-            <a:avLst>
-              <a:gd name="adj" fmla="val 0"/>
-            </a:avLst>
-          </a:prstGeom>
-          <a:solidFill>
-            <a:srgbClr val="FFFFFF">
-              <a:shade val="85000"/>
-            </a:srgbClr>
-          </a:solidFill>
-          <a:ln>
-            <a:noFill/>
-          </a:ln>
-          <a:effectLst>
-            <a:reflection blurRad="12700" stA="38000" endPos="28000" dist="5000" dir="5400000" sy="-100000" algn="bl" rotWithShape="0"/>
-          </a:effectLst>
-        </p:spPr>
-      </p:pic>
       <p:sp>
         <p:nvSpPr>
           <p:cNvPr id="2" name="Title 1"/>
@@ -10847,7 +10281,7 @@
         </p:nvSpPr>
         <p:spPr>
           <a:xfrm>
-            <a:off x="0" y="838200"/>
+            <a:off x="0" y="990600"/>
             <a:ext cx="9144000" cy="609600"/>
           </a:xfrm>
         </p:spPr>
@@ -11221,7 +10655,7 @@
         </p:nvSpPr>
         <p:spPr>
           <a:xfrm>
-            <a:off x="1143000" y="1600200"/>
+            <a:off x="1143000" y="1752600"/>
             <a:ext cx="7543800" cy="5029200"/>
           </a:xfrm>
           <a:prstGeom prst="rect">
@@ -11230,7 +10664,7 @@
         </p:spPr>
         <p:txBody>
           <a:bodyPr vert="horz" lIns="91440" tIns="45720" rIns="91440" bIns="45720" rtlCol="0">
-            <a:normAutofit fontScale="85000" lnSpcReduction="20000"/>
+            <a:normAutofit fontScale="92500" lnSpcReduction="20000"/>
           </a:bodyPr>
           <a:lstStyle>
             <a:lvl1pPr marL="0" indent="0" algn="ctr" defTabSz="914400" rtl="0" eaLnBrk="1" latinLnBrk="0" hangingPunct="1">
@@ -11390,7 +10824,7 @@
           <a:p>
             <a:pPr algn="l">
               <a:buBlip>
-                <a:blip r:embed="rId4"/>
+                <a:blip r:embed="rId2"/>
               </a:buBlip>
             </a:pPr>
             <a:r>
@@ -11445,7 +10879,7 @@
           <a:p>
             <a:pPr algn="l">
               <a:buBlip>
-                <a:blip r:embed="rId4"/>
+                <a:blip r:embed="rId2"/>
               </a:buBlip>
             </a:pPr>
             <a:r>
@@ -11524,7 +10958,7 @@
           <a:p>
             <a:pPr algn="l">
               <a:buBlip>
-                <a:blip r:embed="rId4"/>
+                <a:blip r:embed="rId2"/>
               </a:buBlip>
             </a:pPr>
             <a:r>
@@ -11579,7 +11013,7 @@
           <a:p>
             <a:pPr algn="l">
               <a:buBlip>
-                <a:blip r:embed="rId4"/>
+                <a:blip r:embed="rId2"/>
               </a:buBlip>
             </a:pPr>
             <a:r>
@@ -11592,7 +11026,7 @@
                 <a:latin typeface="Times New Roman" pitchFamily="18" charset="0"/>
                 <a:cs typeface="Times New Roman" pitchFamily="18" charset="0"/>
               </a:rPr>
-              <a:t> [</a:t>
+              <a:t> [4] </a:t>
             </a:r>
             <a:r>
               <a:rPr lang="en-US" dirty="0">
@@ -11603,98 +11037,7 @@
                 </a:solidFill>
                 <a:latin typeface="Times New Roman" pitchFamily="18" charset="0"/>
                 <a:cs typeface="Times New Roman" pitchFamily="18" charset="0"/>
-              </a:rPr>
-              <a:t>4] </a:t>
-            </a:r>
-            <a:r>
-              <a:rPr lang="en-US" dirty="0" err="1">
-                <a:solidFill>
-                  <a:schemeClr val="accent3">
-                    <a:lumMod val="50000"/>
-                  </a:schemeClr>
-                </a:solidFill>
-                <a:latin typeface="Times New Roman" pitchFamily="18" charset="0"/>
-                <a:cs typeface="Times New Roman" pitchFamily="18" charset="0"/>
-              </a:rPr>
-              <a:t>Ashish</a:t>
-            </a:r>
-            <a:r>
-              <a:rPr lang="en-US" dirty="0">
-                <a:solidFill>
-                  <a:schemeClr val="accent3">
-                    <a:lumMod val="50000"/>
-                  </a:schemeClr>
-                </a:solidFill>
-                <a:latin typeface="Times New Roman" pitchFamily="18" charset="0"/>
-                <a:cs typeface="Times New Roman" pitchFamily="18" charset="0"/>
-              </a:rPr>
-              <a:t> </a:t>
-            </a:r>
-            <a:r>
-              <a:rPr lang="en-US" dirty="0" err="1">
-                <a:solidFill>
-                  <a:schemeClr val="accent3">
-                    <a:lumMod val="50000"/>
-                  </a:schemeClr>
-                </a:solidFill>
-                <a:latin typeface="Times New Roman" pitchFamily="18" charset="0"/>
-                <a:cs typeface="Times New Roman" pitchFamily="18" charset="0"/>
-              </a:rPr>
-              <a:t>Ghoda</a:t>
-            </a:r>
-            <a:r>
-              <a:rPr lang="en-US" dirty="0">
-                <a:solidFill>
-                  <a:schemeClr val="accent3">
-                    <a:lumMod val="50000"/>
-                  </a:schemeClr>
-                </a:solidFill>
-                <a:latin typeface="Times New Roman" pitchFamily="18" charset="0"/>
-                <a:cs typeface="Times New Roman" pitchFamily="18" charset="0"/>
-              </a:rPr>
-              <a:t>, Pro Silverlight for the Enterprise, NXB 2009.</a:t>
-            </a:r>
-          </a:p>
-          <a:p>
-            <a:pPr algn="l">
-              <a:buBlip>
-                <a:blip r:embed="rId4"/>
-              </a:buBlip>
-            </a:pPr>
-            <a:r>
-              <a:rPr lang="en-US" dirty="0" smtClean="0">
-                <a:solidFill>
-                  <a:schemeClr val="accent3">
-                    <a:lumMod val="50000"/>
-                  </a:schemeClr>
-                </a:solidFill>
-                <a:latin typeface="Times New Roman" pitchFamily="18" charset="0"/>
-                <a:cs typeface="Times New Roman" pitchFamily="18" charset="0"/>
-              </a:rPr>
-              <a:t> [</a:t>
-            </a:r>
-            <a:r>
-              <a:rPr lang="en-US" dirty="0">
-                <a:solidFill>
-                  <a:schemeClr val="accent3">
-                    <a:lumMod val="50000"/>
-                  </a:schemeClr>
-                </a:solidFill>
-                <a:latin typeface="Times New Roman" pitchFamily="18" charset="0"/>
-                <a:cs typeface="Times New Roman" pitchFamily="18" charset="0"/>
-              </a:rPr>
-              <a:t>5] </a:t>
-            </a:r>
-            <a:r>
-              <a:rPr lang="en-US" dirty="0">
-                <a:solidFill>
-                  <a:schemeClr val="accent3">
-                    <a:lumMod val="50000"/>
-                  </a:schemeClr>
-                </a:solidFill>
-                <a:latin typeface="Times New Roman" pitchFamily="18" charset="0"/>
-                <a:cs typeface="Times New Roman" pitchFamily="18" charset="0"/>
-                <a:hlinkClick r:id="rId5"/>
+                <a:hlinkClick r:id="rId3"/>
               </a:rPr>
               <a:t>http://wikipedia.com</a:t>
             </a:r>
@@ -11711,7 +11054,7 @@
           <a:p>
             <a:pPr algn="l">
               <a:buBlip>
-                <a:blip r:embed="rId4"/>
+                <a:blip r:embed="rId2"/>
               </a:buBlip>
             </a:pPr>
             <a:r>
@@ -11724,19 +11067,19 @@
                 <a:latin typeface="Times New Roman" pitchFamily="18" charset="0"/>
                 <a:cs typeface="Times New Roman" pitchFamily="18" charset="0"/>
               </a:rPr>
-              <a:t> [</a:t>
-            </a:r>
-            <a:r>
-              <a:rPr lang="en-US" dirty="0">
-                <a:solidFill>
-                  <a:schemeClr val="accent3">
-                    <a:lumMod val="50000"/>
-                  </a:schemeClr>
-                </a:solidFill>
-                <a:latin typeface="Times New Roman" pitchFamily="18" charset="0"/>
-                <a:cs typeface="Times New Roman" pitchFamily="18" charset="0"/>
-              </a:rPr>
-              <a:t>6] </a:t>
+              <a:t> </a:t>
+            </a:r>
+            <a:r>
+              <a:rPr lang="en-US" dirty="0" smtClean="0">
+                <a:solidFill>
+                  <a:schemeClr val="accent3">
+                    <a:lumMod val="50000"/>
+                  </a:schemeClr>
+                </a:solidFill>
+                <a:latin typeface="Times New Roman" pitchFamily="18" charset="0"/>
+                <a:cs typeface="Times New Roman" pitchFamily="18" charset="0"/>
+              </a:rPr>
+              <a:t>[5] </a:t>
             </a:r>
             <a:r>
               <a:rPr lang="en-US" u="sng" dirty="0">
@@ -11747,7 +11090,7 @@
                 </a:solidFill>
                 <a:latin typeface="Times New Roman" pitchFamily="18" charset="0"/>
                 <a:cs typeface="Times New Roman" pitchFamily="18" charset="0"/>
-                <a:hlinkClick r:id="rId6"/>
+                <a:hlinkClick r:id="rId4"/>
               </a:rPr>
               <a:t>http://msdn.microsoft.com/en-us/library</a:t>
             </a:r>
@@ -11767,7 +11110,7 @@
           <a:p>
             <a:pPr algn="l">
               <a:buBlip>
-                <a:blip r:embed="rId4"/>
+                <a:blip r:embed="rId2"/>
               </a:buBlip>
             </a:pPr>
             <a:r>
@@ -11780,19 +11123,19 @@
                 <a:latin typeface="Times New Roman" pitchFamily="18" charset="0"/>
                 <a:cs typeface="Times New Roman" pitchFamily="18" charset="0"/>
               </a:rPr>
-              <a:t> [</a:t>
-            </a:r>
-            <a:r>
-              <a:rPr lang="en-US" dirty="0">
-                <a:solidFill>
-                  <a:schemeClr val="accent3">
-                    <a:lumMod val="50000"/>
-                  </a:schemeClr>
-                </a:solidFill>
-                <a:latin typeface="Times New Roman" pitchFamily="18" charset="0"/>
-                <a:cs typeface="Times New Roman" pitchFamily="18" charset="0"/>
-              </a:rPr>
-              <a:t>7] </a:t>
+              <a:t> </a:t>
+            </a:r>
+            <a:r>
+              <a:rPr lang="en-US" dirty="0" smtClean="0">
+                <a:solidFill>
+                  <a:schemeClr val="accent3">
+                    <a:lumMod val="50000"/>
+                  </a:schemeClr>
+                </a:solidFill>
+                <a:latin typeface="Times New Roman" pitchFamily="18" charset="0"/>
+                <a:cs typeface="Times New Roman" pitchFamily="18" charset="0"/>
+              </a:rPr>
+              <a:t>[6] </a:t>
             </a:r>
             <a:r>
               <a:rPr lang="en-US" u="sng" dirty="0">
@@ -11803,7 +11146,7 @@
                 </a:solidFill>
                 <a:latin typeface="Times New Roman" pitchFamily="18" charset="0"/>
                 <a:cs typeface="Times New Roman" pitchFamily="18" charset="0"/>
-                <a:hlinkClick r:id="rId7"/>
+                <a:hlinkClick r:id="rId5"/>
               </a:rPr>
               <a:t>http://</a:t>
             </a:r>
@@ -11816,7 +11159,7 @@
                 </a:solidFill>
                 <a:latin typeface="Times New Roman" pitchFamily="18" charset="0"/>
                 <a:cs typeface="Times New Roman" pitchFamily="18" charset="0"/>
-                <a:hlinkClick r:id="rId7"/>
+                <a:hlinkClick r:id="rId5"/>
               </a:rPr>
               <a:t>asp.net</a:t>
             </a:r>
@@ -11869,72 +11212,6 @@
           <a:chExt cx="0" cy="0"/>
         </a:xfrm>
       </p:grpSpPr>
-      <p:pic>
-        <p:nvPicPr>
-          <p:cNvPr id="6" name="Picture 3" descr="E:\LAM VIEC\NTDV\Pes\Uom mam tre tho\Source Code\PESWeb\images\Children_dq.gif"/>
-          <p:cNvPicPr>
-            <a:picLocks noChangeAspect="1" noChangeArrowheads="1"/>
-          </p:cNvPicPr>
-          <p:nvPr/>
-        </p:nvPicPr>
-        <p:blipFill>
-          <a:blip r:embed="rId2"/>
-          <a:srcRect/>
-          <a:stretch>
-            <a:fillRect/>
-          </a:stretch>
-        </p:blipFill>
-        <p:spPr bwMode="auto">
-          <a:xfrm>
-            <a:off x="76200" y="5638800"/>
-            <a:ext cx="914399" cy="1143000"/>
-          </a:xfrm>
-          <a:prstGeom prst="rect">
-            <a:avLst/>
-          </a:prstGeom>
-          <a:noFill/>
-        </p:spPr>
-      </p:pic>
-      <p:pic>
-        <p:nvPicPr>
-          <p:cNvPr id="1026" name="Picture 2" descr="E:\LAM VIEC\NTDV\Pes\Uom mam tre tho\Source Code\PESWeb\images\Studyinghome.png"/>
-          <p:cNvPicPr>
-            <a:picLocks noChangeAspect="1" noChangeArrowheads="1"/>
-          </p:cNvPicPr>
-          <p:nvPr/>
-        </p:nvPicPr>
-        <p:blipFill>
-          <a:blip r:embed="rId3">
-            <a:lum/>
-          </a:blip>
-          <a:srcRect/>
-          <a:stretch>
-            <a:fillRect/>
-          </a:stretch>
-        </p:blipFill>
-        <p:spPr bwMode="auto">
-          <a:xfrm>
-            <a:off x="0" y="0"/>
-            <a:ext cx="9144000" cy="838200"/>
-          </a:xfrm>
-          <a:prstGeom prst="roundRect">
-            <a:avLst>
-              <a:gd name="adj" fmla="val 0"/>
-            </a:avLst>
-          </a:prstGeom>
-          <a:solidFill>
-            <a:srgbClr val="FFFFFF">
-              <a:shade val="85000"/>
-            </a:srgbClr>
-          </a:solidFill>
-          <a:ln>
-            <a:noFill/>
-          </a:ln>
-          <a:effectLst>
-            <a:reflection blurRad="12700" stA="38000" endPos="28000" dist="5000" dir="5400000" sy="-100000" algn="bl" rotWithShape="0"/>
-          </a:effectLst>
-        </p:spPr>
-      </p:pic>
       <p:sp>
         <p:nvSpPr>
           <p:cNvPr id="5" name="Slide Number Placeholder 4"/>
@@ -12333,72 +11610,6 @@
           <a:chExt cx="0" cy="0"/>
         </a:xfrm>
       </p:grpSpPr>
-      <p:pic>
-        <p:nvPicPr>
-          <p:cNvPr id="6" name="Picture 3" descr="E:\LAM VIEC\NTDV\Pes\Uom mam tre tho\Source Code\PESWeb\images\Children_dq.gif"/>
-          <p:cNvPicPr>
-            <a:picLocks noChangeAspect="1" noChangeArrowheads="1"/>
-          </p:cNvPicPr>
-          <p:nvPr/>
-        </p:nvPicPr>
-        <p:blipFill>
-          <a:blip r:embed="rId2"/>
-          <a:srcRect/>
-          <a:stretch>
-            <a:fillRect/>
-          </a:stretch>
-        </p:blipFill>
-        <p:spPr bwMode="auto">
-          <a:xfrm>
-            <a:off x="76200" y="5638800"/>
-            <a:ext cx="914399" cy="1143000"/>
-          </a:xfrm>
-          <a:prstGeom prst="rect">
-            <a:avLst/>
-          </a:prstGeom>
-          <a:noFill/>
-        </p:spPr>
-      </p:pic>
-      <p:pic>
-        <p:nvPicPr>
-          <p:cNvPr id="1026" name="Picture 2" descr="E:\LAM VIEC\NTDV\Pes\Uom mam tre tho\Source Code\PESWeb\images\Studyinghome.png"/>
-          <p:cNvPicPr>
-            <a:picLocks noChangeAspect="1" noChangeArrowheads="1"/>
-          </p:cNvPicPr>
-          <p:nvPr/>
-        </p:nvPicPr>
-        <p:blipFill>
-          <a:blip r:embed="rId3">
-            <a:lum/>
-          </a:blip>
-          <a:srcRect/>
-          <a:stretch>
-            <a:fillRect/>
-          </a:stretch>
-        </p:blipFill>
-        <p:spPr bwMode="auto">
-          <a:xfrm>
-            <a:off x="0" y="0"/>
-            <a:ext cx="9144000" cy="838200"/>
-          </a:xfrm>
-          <a:prstGeom prst="roundRect">
-            <a:avLst>
-              <a:gd name="adj" fmla="val 0"/>
-            </a:avLst>
-          </a:prstGeom>
-          <a:solidFill>
-            <a:srgbClr val="FFFFFF">
-              <a:shade val="85000"/>
-            </a:srgbClr>
-          </a:solidFill>
-          <a:ln>
-            <a:noFill/>
-          </a:ln>
-          <a:effectLst>
-            <a:reflection blurRad="12700" stA="38000" endPos="28000" dist="5000" dir="5400000" sy="-100000" algn="bl" rotWithShape="0"/>
-          </a:effectLst>
-        </p:spPr>
-      </p:pic>
       <p:sp>
         <p:nvSpPr>
           <p:cNvPr id="2" name="Title 1"/>
@@ -12411,7 +11622,7 @@
         </p:nvSpPr>
         <p:spPr>
           <a:xfrm>
-            <a:off x="0" y="838200"/>
+            <a:off x="0" y="914400"/>
             <a:ext cx="9144000" cy="685800"/>
           </a:xfrm>
         </p:spPr>
@@ -12735,7 +11946,7 @@
           <a:p>
             <a:pPr algn="l">
               <a:buBlip>
-                <a:blip r:embed="rId4"/>
+                <a:blip r:embed="rId2"/>
               </a:buBlip>
             </a:pPr>
             <a:r>
@@ -12842,7 +12053,7 @@
           <a:p>
             <a:pPr algn="l">
               <a:buBlip>
-                <a:blip r:embed="rId4"/>
+                <a:blip r:embed="rId2"/>
               </a:buBlip>
             </a:pPr>
             <a:r>
@@ -12954,7 +12165,7 @@
           <a:p>
             <a:pPr algn="l">
               <a:buBlip>
-                <a:blip r:embed="rId4"/>
+                <a:blip r:embed="rId2"/>
               </a:buBlip>
             </a:pPr>
             <a:r>
@@ -13066,7 +12277,7 @@
           <a:p>
             <a:pPr algn="l">
               <a:buBlip>
-                <a:blip r:embed="rId4"/>
+                <a:blip r:embed="rId2"/>
               </a:buBlip>
             </a:pPr>
             <a:r>
@@ -13178,7 +12389,7 @@
           <a:p>
             <a:pPr algn="l">
               <a:buBlip>
-                <a:blip r:embed="rId4"/>
+                <a:blip r:embed="rId2"/>
               </a:buBlip>
             </a:pPr>
             <a:r>
@@ -13290,7 +12501,7 @@
           <a:p>
             <a:pPr algn="l">
               <a:buBlip>
-                <a:blip r:embed="rId4"/>
+                <a:blip r:embed="rId2"/>
               </a:buBlip>
             </a:pPr>
             <a:r>
@@ -13378,7 +12589,7 @@
           <a:p>
             <a:pPr algn="l">
               <a:buBlip>
-                <a:blip r:embed="rId4"/>
+                <a:blip r:embed="rId2"/>
               </a:buBlip>
             </a:pPr>
             <a:r>
@@ -13496,72 +12707,6 @@
           <a:chExt cx="0" cy="0"/>
         </a:xfrm>
       </p:grpSpPr>
-      <p:pic>
-        <p:nvPicPr>
-          <p:cNvPr id="6" name="Picture 3" descr="E:\LAM VIEC\NTDV\Pes\Uom mam tre tho\Source Code\PESWeb\images\Children_dq.gif"/>
-          <p:cNvPicPr>
-            <a:picLocks noChangeAspect="1" noChangeArrowheads="1"/>
-          </p:cNvPicPr>
-          <p:nvPr/>
-        </p:nvPicPr>
-        <p:blipFill>
-          <a:blip r:embed="rId2"/>
-          <a:srcRect/>
-          <a:stretch>
-            <a:fillRect/>
-          </a:stretch>
-        </p:blipFill>
-        <p:spPr bwMode="auto">
-          <a:xfrm>
-            <a:off x="76200" y="5638800"/>
-            <a:ext cx="914399" cy="1143000"/>
-          </a:xfrm>
-          <a:prstGeom prst="rect">
-            <a:avLst/>
-          </a:prstGeom>
-          <a:noFill/>
-        </p:spPr>
-      </p:pic>
-      <p:pic>
-        <p:nvPicPr>
-          <p:cNvPr id="1026" name="Picture 2" descr="E:\LAM VIEC\NTDV\Pes\Uom mam tre tho\Source Code\PESWeb\images\Studyinghome.png"/>
-          <p:cNvPicPr>
-            <a:picLocks noChangeAspect="1" noChangeArrowheads="1"/>
-          </p:cNvPicPr>
-          <p:nvPr/>
-        </p:nvPicPr>
-        <p:blipFill>
-          <a:blip r:embed="rId3">
-            <a:lum/>
-          </a:blip>
-          <a:srcRect/>
-          <a:stretch>
-            <a:fillRect/>
-          </a:stretch>
-        </p:blipFill>
-        <p:spPr bwMode="auto">
-          <a:xfrm>
-            <a:off x="0" y="0"/>
-            <a:ext cx="9144000" cy="838200"/>
-          </a:xfrm>
-          <a:prstGeom prst="roundRect">
-            <a:avLst>
-              <a:gd name="adj" fmla="val 0"/>
-            </a:avLst>
-          </a:prstGeom>
-          <a:solidFill>
-            <a:srgbClr val="FFFFFF">
-              <a:shade val="85000"/>
-            </a:srgbClr>
-          </a:solidFill>
-          <a:ln>
-            <a:noFill/>
-          </a:ln>
-          <a:effectLst>
-            <a:reflection blurRad="12700" stA="38000" endPos="28000" dist="5000" dir="5400000" sy="-100000" algn="bl" rotWithShape="0"/>
-          </a:effectLst>
-        </p:spPr>
-      </p:pic>
       <p:sp>
         <p:nvSpPr>
           <p:cNvPr id="2" name="Title 1"/>
@@ -13574,7 +12719,7 @@
         </p:nvSpPr>
         <p:spPr>
           <a:xfrm>
-            <a:off x="0" y="838200"/>
+            <a:off x="0" y="914400"/>
             <a:ext cx="9144000" cy="685800"/>
           </a:xfrm>
         </p:spPr>
@@ -14105,7 +13250,7 @@
           </p:nvPr>
         </p:nvPicPr>
         <p:blipFill>
-          <a:blip r:embed="rId4">
+          <a:blip r:embed="rId2">
             <a:extLst>
               <a:ext uri="{28A0092B-C50C-407E-A947-70E740481C1C}">
                 <a14:useLocalDpi xmlns:a14="http://schemas.microsoft.com/office/drawing/2010/main" val="0"/>
@@ -14183,72 +13328,6 @@
           <a:chExt cx="0" cy="0"/>
         </a:xfrm>
       </p:grpSpPr>
-      <p:pic>
-        <p:nvPicPr>
-          <p:cNvPr id="6" name="Picture 3" descr="E:\LAM VIEC\NTDV\Pes\Uom mam tre tho\Source Code\PESWeb\images\Children_dq.gif"/>
-          <p:cNvPicPr>
-            <a:picLocks noChangeAspect="1" noChangeArrowheads="1"/>
-          </p:cNvPicPr>
-          <p:nvPr/>
-        </p:nvPicPr>
-        <p:blipFill>
-          <a:blip r:embed="rId2"/>
-          <a:srcRect/>
-          <a:stretch>
-            <a:fillRect/>
-          </a:stretch>
-        </p:blipFill>
-        <p:spPr bwMode="auto">
-          <a:xfrm>
-            <a:off x="76200" y="5638800"/>
-            <a:ext cx="914399" cy="1143000"/>
-          </a:xfrm>
-          <a:prstGeom prst="rect">
-            <a:avLst/>
-          </a:prstGeom>
-          <a:noFill/>
-        </p:spPr>
-      </p:pic>
-      <p:pic>
-        <p:nvPicPr>
-          <p:cNvPr id="1026" name="Picture 2" descr="E:\LAM VIEC\NTDV\Pes\Uom mam tre tho\Source Code\PESWeb\images\Studyinghome.png"/>
-          <p:cNvPicPr>
-            <a:picLocks noChangeAspect="1" noChangeArrowheads="1"/>
-          </p:cNvPicPr>
-          <p:nvPr/>
-        </p:nvPicPr>
-        <p:blipFill>
-          <a:blip r:embed="rId3">
-            <a:lum/>
-          </a:blip>
-          <a:srcRect/>
-          <a:stretch>
-            <a:fillRect/>
-          </a:stretch>
-        </p:blipFill>
-        <p:spPr bwMode="auto">
-          <a:xfrm>
-            <a:off x="0" y="0"/>
-            <a:ext cx="9144000" cy="838200"/>
-          </a:xfrm>
-          <a:prstGeom prst="roundRect">
-            <a:avLst>
-              <a:gd name="adj" fmla="val 0"/>
-            </a:avLst>
-          </a:prstGeom>
-          <a:solidFill>
-            <a:srgbClr val="FFFFFF">
-              <a:shade val="85000"/>
-            </a:srgbClr>
-          </a:solidFill>
-          <a:ln>
-            <a:noFill/>
-          </a:ln>
-          <a:effectLst>
-            <a:reflection blurRad="12700" stA="38000" endPos="28000" dist="5000" dir="5400000" sy="-100000" algn="bl" rotWithShape="0"/>
-          </a:effectLst>
-        </p:spPr>
-      </p:pic>
       <p:sp>
         <p:nvSpPr>
           <p:cNvPr id="2" name="Title 1"/>
@@ -14261,7 +13340,7 @@
         </p:nvSpPr>
         <p:spPr>
           <a:xfrm>
-            <a:off x="0" y="838200"/>
+            <a:off x="0" y="914400"/>
             <a:ext cx="9144000" cy="609600"/>
           </a:xfrm>
         </p:spPr>
@@ -14627,7 +13706,7 @@
       </p:sp>
       <p:pic>
         <p:nvPicPr>
-          <p:cNvPr id="7" name="Picture 6" descr="images405433_lang_trong"/>
+          <p:cNvPr id="7" name="Content Placeholder 6" descr="images405433_lang_trong"/>
           <p:cNvPicPr>
             <a:picLocks noGrp="1" noChangeAspect="1" noChangeArrowheads="1"/>
           </p:cNvPicPr>
@@ -14636,7 +13715,7 @@
           </p:nvPr>
         </p:nvPicPr>
         <p:blipFill>
-          <a:blip r:embed="rId4">
+          <a:blip r:embed="rId2">
             <a:extLst>
               <a:ext uri="{28A0092B-C50C-407E-A947-70E740481C1C}">
                 <a14:useLocalDpi xmlns:a14="http://schemas.microsoft.com/office/drawing/2010/main" val="0"/>
@@ -14714,72 +13793,6 @@
           <a:chExt cx="0" cy="0"/>
         </a:xfrm>
       </p:grpSpPr>
-      <p:pic>
-        <p:nvPicPr>
-          <p:cNvPr id="6" name="Picture 3" descr="E:\LAM VIEC\NTDV\Pes\Uom mam tre tho\Source Code\PESWeb\images\Children_dq.gif"/>
-          <p:cNvPicPr>
-            <a:picLocks noChangeAspect="1" noChangeArrowheads="1"/>
-          </p:cNvPicPr>
-          <p:nvPr/>
-        </p:nvPicPr>
-        <p:blipFill>
-          <a:blip r:embed="rId2"/>
-          <a:srcRect/>
-          <a:stretch>
-            <a:fillRect/>
-          </a:stretch>
-        </p:blipFill>
-        <p:spPr bwMode="auto">
-          <a:xfrm>
-            <a:off x="76200" y="5638800"/>
-            <a:ext cx="914399" cy="1143000"/>
-          </a:xfrm>
-          <a:prstGeom prst="rect">
-            <a:avLst/>
-          </a:prstGeom>
-          <a:noFill/>
-        </p:spPr>
-      </p:pic>
-      <p:pic>
-        <p:nvPicPr>
-          <p:cNvPr id="1026" name="Picture 2" descr="E:\LAM VIEC\NTDV\Pes\Uom mam tre tho\Source Code\PESWeb\images\Studyinghome.png"/>
-          <p:cNvPicPr>
-            <a:picLocks noChangeAspect="1" noChangeArrowheads="1"/>
-          </p:cNvPicPr>
-          <p:nvPr/>
-        </p:nvPicPr>
-        <p:blipFill>
-          <a:blip r:embed="rId3">
-            <a:lum/>
-          </a:blip>
-          <a:srcRect/>
-          <a:stretch>
-            <a:fillRect/>
-          </a:stretch>
-        </p:blipFill>
-        <p:spPr bwMode="auto">
-          <a:xfrm>
-            <a:off x="0" y="0"/>
-            <a:ext cx="9144000" cy="838200"/>
-          </a:xfrm>
-          <a:prstGeom prst="roundRect">
-            <a:avLst>
-              <a:gd name="adj" fmla="val 0"/>
-            </a:avLst>
-          </a:prstGeom>
-          <a:solidFill>
-            <a:srgbClr val="FFFFFF">
-              <a:shade val="85000"/>
-            </a:srgbClr>
-          </a:solidFill>
-          <a:ln>
-            <a:noFill/>
-          </a:ln>
-          <a:effectLst>
-            <a:reflection blurRad="12700" stA="38000" endPos="28000" dist="5000" dir="5400000" sy="-100000" algn="bl" rotWithShape="0"/>
-          </a:effectLst>
-        </p:spPr>
-      </p:pic>
       <p:sp>
         <p:nvSpPr>
           <p:cNvPr id="2" name="Title 1"/>
@@ -14792,7 +13805,7 @@
         </p:nvSpPr>
         <p:spPr>
           <a:xfrm>
-            <a:off x="0" y="914400"/>
+            <a:off x="0" y="990600"/>
             <a:ext cx="9144000" cy="609600"/>
           </a:xfrm>
         </p:spPr>
@@ -15399,7 +14412,7 @@
           <p:nvPr/>
         </p:nvPicPr>
         <p:blipFill>
-          <a:blip r:embed="rId4">
+          <a:blip r:embed="rId2">
             <a:extLst>
               <a:ext uri="{28A0092B-C50C-407E-A947-70E740481C1C}">
                 <a14:useLocalDpi xmlns:a14="http://schemas.microsoft.com/office/drawing/2010/main" val="0"/>
@@ -15477,72 +14490,6 @@
           <a:chExt cx="0" cy="0"/>
         </a:xfrm>
       </p:grpSpPr>
-      <p:pic>
-        <p:nvPicPr>
-          <p:cNvPr id="6" name="Picture 3" descr="E:\LAM VIEC\NTDV\Pes\Uom mam tre tho\Source Code\PESWeb\images\Children_dq.gif"/>
-          <p:cNvPicPr>
-            <a:picLocks noChangeAspect="1" noChangeArrowheads="1"/>
-          </p:cNvPicPr>
-          <p:nvPr/>
-        </p:nvPicPr>
-        <p:blipFill>
-          <a:blip r:embed="rId2"/>
-          <a:srcRect/>
-          <a:stretch>
-            <a:fillRect/>
-          </a:stretch>
-        </p:blipFill>
-        <p:spPr bwMode="auto">
-          <a:xfrm>
-            <a:off x="76200" y="5638800"/>
-            <a:ext cx="914399" cy="1143000"/>
-          </a:xfrm>
-          <a:prstGeom prst="rect">
-            <a:avLst/>
-          </a:prstGeom>
-          <a:noFill/>
-        </p:spPr>
-      </p:pic>
-      <p:pic>
-        <p:nvPicPr>
-          <p:cNvPr id="1026" name="Picture 2" descr="E:\LAM VIEC\NTDV\Pes\Uom mam tre tho\Source Code\PESWeb\images\Studyinghome.png"/>
-          <p:cNvPicPr>
-            <a:picLocks noChangeAspect="1" noChangeArrowheads="1"/>
-          </p:cNvPicPr>
-          <p:nvPr/>
-        </p:nvPicPr>
-        <p:blipFill>
-          <a:blip r:embed="rId3">
-            <a:lum/>
-          </a:blip>
-          <a:srcRect/>
-          <a:stretch>
-            <a:fillRect/>
-          </a:stretch>
-        </p:blipFill>
-        <p:spPr bwMode="auto">
-          <a:xfrm>
-            <a:off x="0" y="0"/>
-            <a:ext cx="9144000" cy="838200"/>
-          </a:xfrm>
-          <a:prstGeom prst="roundRect">
-            <a:avLst>
-              <a:gd name="adj" fmla="val 0"/>
-            </a:avLst>
-          </a:prstGeom>
-          <a:solidFill>
-            <a:srgbClr val="FFFFFF">
-              <a:shade val="85000"/>
-            </a:srgbClr>
-          </a:solidFill>
-          <a:ln>
-            <a:noFill/>
-          </a:ln>
-          <a:effectLst>
-            <a:reflection blurRad="12700" stA="38000" endPos="28000" dist="5000" dir="5400000" sy="-100000" algn="bl" rotWithShape="0"/>
-          </a:effectLst>
-        </p:spPr>
-      </p:pic>
       <p:sp>
         <p:nvSpPr>
           <p:cNvPr id="2" name="Title 1"/>
@@ -15555,7 +14502,7 @@
         </p:nvSpPr>
         <p:spPr>
           <a:xfrm>
-            <a:off x="0" y="838200"/>
+            <a:off x="0" y="990600"/>
             <a:ext cx="9144000" cy="609600"/>
           </a:xfrm>
         </p:spPr>
@@ -15943,7 +14890,7 @@
           <a:p>
             <a:pPr algn="l">
               <a:buBlip>
-                <a:blip r:embed="rId4"/>
+                <a:blip r:embed="rId2"/>
               </a:buBlip>
             </a:pPr>
             <a:r>
@@ -16581,7 +15528,7 @@
           <a:p>
             <a:pPr algn="l">
               <a:buBlip>
-                <a:blip r:embed="rId4"/>
+                <a:blip r:embed="rId2"/>
               </a:buBlip>
             </a:pPr>
             <a:r>
@@ -17054,72 +16001,6 @@
           <a:chExt cx="0" cy="0"/>
         </a:xfrm>
       </p:grpSpPr>
-      <p:pic>
-        <p:nvPicPr>
-          <p:cNvPr id="6" name="Picture 3" descr="E:\LAM VIEC\NTDV\Pes\Uom mam tre tho\Source Code\PESWeb\images\Children_dq.gif"/>
-          <p:cNvPicPr>
-            <a:picLocks noChangeAspect="1" noChangeArrowheads="1"/>
-          </p:cNvPicPr>
-          <p:nvPr/>
-        </p:nvPicPr>
-        <p:blipFill>
-          <a:blip r:embed="rId2"/>
-          <a:srcRect/>
-          <a:stretch>
-            <a:fillRect/>
-          </a:stretch>
-        </p:blipFill>
-        <p:spPr bwMode="auto">
-          <a:xfrm>
-            <a:off x="76200" y="5638800"/>
-            <a:ext cx="914399" cy="1143000"/>
-          </a:xfrm>
-          <a:prstGeom prst="rect">
-            <a:avLst/>
-          </a:prstGeom>
-          <a:noFill/>
-        </p:spPr>
-      </p:pic>
-      <p:pic>
-        <p:nvPicPr>
-          <p:cNvPr id="1026" name="Picture 2" descr="E:\LAM VIEC\NTDV\Pes\Uom mam tre tho\Source Code\PESWeb\images\Studyinghome.png"/>
-          <p:cNvPicPr>
-            <a:picLocks noChangeAspect="1" noChangeArrowheads="1"/>
-          </p:cNvPicPr>
-          <p:nvPr/>
-        </p:nvPicPr>
-        <p:blipFill>
-          <a:blip r:embed="rId3">
-            <a:lum/>
-          </a:blip>
-          <a:srcRect/>
-          <a:stretch>
-            <a:fillRect/>
-          </a:stretch>
-        </p:blipFill>
-        <p:spPr bwMode="auto">
-          <a:xfrm>
-            <a:off x="0" y="0"/>
-            <a:ext cx="9144000" cy="838200"/>
-          </a:xfrm>
-          <a:prstGeom prst="roundRect">
-            <a:avLst>
-              <a:gd name="adj" fmla="val 0"/>
-            </a:avLst>
-          </a:prstGeom>
-          <a:solidFill>
-            <a:srgbClr val="FFFFFF">
-              <a:shade val="85000"/>
-            </a:srgbClr>
-          </a:solidFill>
-          <a:ln>
-            <a:noFill/>
-          </a:ln>
-          <a:effectLst>
-            <a:reflection blurRad="12700" stA="38000" endPos="28000" dist="5000" dir="5400000" sy="-100000" algn="bl" rotWithShape="0"/>
-          </a:effectLst>
-        </p:spPr>
-      </p:pic>
       <p:sp>
         <p:nvSpPr>
           <p:cNvPr id="2" name="Title 1"/>
@@ -17132,7 +16013,7 @@
         </p:nvSpPr>
         <p:spPr>
           <a:xfrm>
-            <a:off x="0" y="838199"/>
+            <a:off x="0" y="976745"/>
             <a:ext cx="9144000" cy="699655"/>
           </a:xfrm>
         </p:spPr>
@@ -18864,72 +17745,6 @@
           <a:chExt cx="0" cy="0"/>
         </a:xfrm>
       </p:grpSpPr>
-      <p:pic>
-        <p:nvPicPr>
-          <p:cNvPr id="6" name="Picture 3" descr="E:\LAM VIEC\NTDV\Pes\Uom mam tre tho\Source Code\PESWeb\images\Children_dq.gif"/>
-          <p:cNvPicPr>
-            <a:picLocks noChangeAspect="1" noChangeArrowheads="1"/>
-          </p:cNvPicPr>
-          <p:nvPr/>
-        </p:nvPicPr>
-        <p:blipFill>
-          <a:blip r:embed="rId2"/>
-          <a:srcRect/>
-          <a:stretch>
-            <a:fillRect/>
-          </a:stretch>
-        </p:blipFill>
-        <p:spPr bwMode="auto">
-          <a:xfrm>
-            <a:off x="76200" y="5638800"/>
-            <a:ext cx="914399" cy="1143000"/>
-          </a:xfrm>
-          <a:prstGeom prst="rect">
-            <a:avLst/>
-          </a:prstGeom>
-          <a:noFill/>
-        </p:spPr>
-      </p:pic>
-      <p:pic>
-        <p:nvPicPr>
-          <p:cNvPr id="1026" name="Picture 2" descr="E:\LAM VIEC\NTDV\Pes\Uom mam tre tho\Source Code\PESWeb\images\Studyinghome.png"/>
-          <p:cNvPicPr>
-            <a:picLocks noChangeAspect="1" noChangeArrowheads="1"/>
-          </p:cNvPicPr>
-          <p:nvPr/>
-        </p:nvPicPr>
-        <p:blipFill>
-          <a:blip r:embed="rId3">
-            <a:lum/>
-          </a:blip>
-          <a:srcRect/>
-          <a:stretch>
-            <a:fillRect/>
-          </a:stretch>
-        </p:blipFill>
-        <p:spPr bwMode="auto">
-          <a:xfrm>
-            <a:off x="0" y="0"/>
-            <a:ext cx="9144000" cy="838200"/>
-          </a:xfrm>
-          <a:prstGeom prst="roundRect">
-            <a:avLst>
-              <a:gd name="adj" fmla="val 0"/>
-            </a:avLst>
-          </a:prstGeom>
-          <a:solidFill>
-            <a:srgbClr val="FFFFFF">
-              <a:shade val="85000"/>
-            </a:srgbClr>
-          </a:solidFill>
-          <a:ln>
-            <a:noFill/>
-          </a:ln>
-          <a:effectLst>
-            <a:reflection blurRad="12700" stA="38000" endPos="28000" dist="5000" dir="5400000" sy="-100000" algn="bl" rotWithShape="0"/>
-          </a:effectLst>
-        </p:spPr>
-      </p:pic>
       <p:sp>
         <p:nvSpPr>
           <p:cNvPr id="2" name="Title 1"/>
@@ -18942,7 +17757,7 @@
         </p:nvSpPr>
         <p:spPr>
           <a:xfrm>
-            <a:off x="0" y="838200"/>
+            <a:off x="0" y="914400"/>
             <a:ext cx="9144000" cy="685800"/>
           </a:xfrm>
         </p:spPr>
@@ -19577,7 +18392,7 @@
           <p:nvPr/>
         </p:nvPicPr>
         <p:blipFill>
-          <a:blip r:embed="rId4">
+          <a:blip r:embed="rId2">
             <a:extLst>
               <a:ext uri="{28A0092B-C50C-407E-A947-70E740481C1C}">
                 <a14:useLocalDpi xmlns:a14="http://schemas.microsoft.com/office/drawing/2010/main" val="0"/>
@@ -19640,7 +18455,7 @@
           <p:nvPr/>
         </p:nvPicPr>
         <p:blipFill>
-          <a:blip r:embed="rId5">
+          <a:blip r:embed="rId3">
             <a:extLst>
               <a:ext uri="{28A0092B-C50C-407E-A947-70E740481C1C}">
                 <a14:useLocalDpi xmlns:a14="http://schemas.microsoft.com/office/drawing/2010/main" val="0"/>
@@ -19732,72 +18547,6 @@
           <a:chExt cx="0" cy="0"/>
         </a:xfrm>
       </p:grpSpPr>
-      <p:pic>
-        <p:nvPicPr>
-          <p:cNvPr id="6" name="Picture 3" descr="E:\LAM VIEC\NTDV\Pes\Uom mam tre tho\Source Code\PESWeb\images\Children_dq.gif"/>
-          <p:cNvPicPr>
-            <a:picLocks noChangeAspect="1" noChangeArrowheads="1"/>
-          </p:cNvPicPr>
-          <p:nvPr/>
-        </p:nvPicPr>
-        <p:blipFill>
-          <a:blip r:embed="rId2"/>
-          <a:srcRect/>
-          <a:stretch>
-            <a:fillRect/>
-          </a:stretch>
-        </p:blipFill>
-        <p:spPr bwMode="auto">
-          <a:xfrm>
-            <a:off x="76200" y="5638800"/>
-            <a:ext cx="914399" cy="1143000"/>
-          </a:xfrm>
-          <a:prstGeom prst="rect">
-            <a:avLst/>
-          </a:prstGeom>
-          <a:noFill/>
-        </p:spPr>
-      </p:pic>
-      <p:pic>
-        <p:nvPicPr>
-          <p:cNvPr id="1026" name="Picture 2" descr="E:\LAM VIEC\NTDV\Pes\Uom mam tre tho\Source Code\PESWeb\images\Studyinghome.png"/>
-          <p:cNvPicPr>
-            <a:picLocks noChangeAspect="1" noChangeArrowheads="1"/>
-          </p:cNvPicPr>
-          <p:nvPr/>
-        </p:nvPicPr>
-        <p:blipFill>
-          <a:blip r:embed="rId3">
-            <a:lum/>
-          </a:blip>
-          <a:srcRect/>
-          <a:stretch>
-            <a:fillRect/>
-          </a:stretch>
-        </p:blipFill>
-        <p:spPr bwMode="auto">
-          <a:xfrm>
-            <a:off x="0" y="0"/>
-            <a:ext cx="9144000" cy="838200"/>
-          </a:xfrm>
-          <a:prstGeom prst="roundRect">
-            <a:avLst>
-              <a:gd name="adj" fmla="val 0"/>
-            </a:avLst>
-          </a:prstGeom>
-          <a:solidFill>
-            <a:srgbClr val="FFFFFF">
-              <a:shade val="85000"/>
-            </a:srgbClr>
-          </a:solidFill>
-          <a:ln>
-            <a:noFill/>
-          </a:ln>
-          <a:effectLst>
-            <a:reflection blurRad="12700" stA="38000" endPos="28000" dist="5000" dir="5400000" sy="-100000" algn="bl" rotWithShape="0"/>
-          </a:effectLst>
-        </p:spPr>
-      </p:pic>
       <p:sp>
         <p:nvSpPr>
           <p:cNvPr id="2" name="Title 1"/>
@@ -19810,7 +18559,7 @@
         </p:nvSpPr>
         <p:spPr>
           <a:xfrm>
-            <a:off x="0" y="838200"/>
+            <a:off x="0" y="914400"/>
             <a:ext cx="9144000" cy="685800"/>
           </a:xfrm>
         </p:spPr>
